--- a/Projects/Bay Wheels - Lyft Bike Share Analysis/presentation.pptx
+++ b/Projects/Bay Wheels - Lyft Bike Share Analysis/presentation.pptx
@@ -136,7 +136,7 @@
   </p:defaultTextStyle>
   <p:extLst>
     <p:ext uri="{EFAFB233-063F-42B5-8137-9DF3F51BA10A}">
-      <p15:sldGuideLst xmlns:p15="http://schemas.microsoft.com/office/powerpoint/2012/main">
+      <p15:sldGuideLst xmlns:p15="http://schemas.microsoft.com/office/powerpoint/2012/main" xmlns="">
         <p15:guide id="1" orient="horz" pos="2160" userDrawn="1">
           <p15:clr>
             <a:srgbClr val="A4A3A4"/>
@@ -175,7 +175,7 @@
           <p:cNvPr id="2" name="Title 1">
             <a:extLst>
               <a:ext uri="{FF2B5EF4-FFF2-40B4-BE49-F238E27FC236}">
-                <a16:creationId xmlns:a16="http://schemas.microsoft.com/office/drawing/2014/main" id="{CA448216-5B2C-4E4D-A0B8-45973AB23D60}"/>
+                <a16:creationId xmlns:a16="http://schemas.microsoft.com/office/drawing/2014/main" xmlns="" id="{CA448216-5B2C-4E4D-A0B8-45973AB23D60}"/>
               </a:ext>
             </a:extLst>
           </p:cNvPr>
@@ -212,7 +212,7 @@
           <p:cNvPr id="3" name="Subtitle 2">
             <a:extLst>
               <a:ext uri="{FF2B5EF4-FFF2-40B4-BE49-F238E27FC236}">
-                <a16:creationId xmlns:a16="http://schemas.microsoft.com/office/drawing/2014/main" id="{8046C5E6-C564-42F1-95B2-CE17198EC10F}"/>
+                <a16:creationId xmlns:a16="http://schemas.microsoft.com/office/drawing/2014/main" xmlns="" id="{8046C5E6-C564-42F1-95B2-CE17198EC10F}"/>
               </a:ext>
             </a:extLst>
           </p:cNvPr>
@@ -282,7 +282,7 @@
           <p:cNvPr id="4" name="Date Placeholder 3">
             <a:extLst>
               <a:ext uri="{FF2B5EF4-FFF2-40B4-BE49-F238E27FC236}">
-                <a16:creationId xmlns:a16="http://schemas.microsoft.com/office/drawing/2014/main" id="{ECA641A0-3E36-4506-8D2D-FD580C190D7E}"/>
+                <a16:creationId xmlns:a16="http://schemas.microsoft.com/office/drawing/2014/main" xmlns="" id="{ECA641A0-3E36-4506-8D2D-FD580C190D7E}"/>
               </a:ext>
             </a:extLst>
           </p:cNvPr>
@@ -300,7 +300,7 @@
           <a:p>
             <a:fld id="{C919893F-B7D7-45B3-8AFD-0C8442689322}" type="datetimeFigureOut">
               <a:rPr lang="en-US" smtClean="0"/>
-              <a:t>7/28/2019</a:t>
+              <a:t>1/29/2020</a:t>
             </a:fld>
             <a:endParaRPr lang="en-US"/>
           </a:p>
@@ -311,7 +311,7 @@
           <p:cNvPr id="5" name="Footer Placeholder 4">
             <a:extLst>
               <a:ext uri="{FF2B5EF4-FFF2-40B4-BE49-F238E27FC236}">
-                <a16:creationId xmlns:a16="http://schemas.microsoft.com/office/drawing/2014/main" id="{89301FAE-A09E-43F0-986C-EB129379EBD5}"/>
+                <a16:creationId xmlns:a16="http://schemas.microsoft.com/office/drawing/2014/main" xmlns="" id="{89301FAE-A09E-43F0-986C-EB129379EBD5}"/>
               </a:ext>
             </a:extLst>
           </p:cNvPr>
@@ -336,7 +336,7 @@
           <p:cNvPr id="6" name="Slide Number Placeholder 5">
             <a:extLst>
               <a:ext uri="{FF2B5EF4-FFF2-40B4-BE49-F238E27FC236}">
-                <a16:creationId xmlns:a16="http://schemas.microsoft.com/office/drawing/2014/main" id="{6F8BB578-51D2-4570-B727-7774540FF154}"/>
+                <a16:creationId xmlns:a16="http://schemas.microsoft.com/office/drawing/2014/main" xmlns="" id="{6F8BB578-51D2-4570-B727-7774540FF154}"/>
               </a:ext>
             </a:extLst>
           </p:cNvPr>
@@ -395,7 +395,7 @@
           <p:cNvPr id="2" name="Title 1">
             <a:extLst>
               <a:ext uri="{FF2B5EF4-FFF2-40B4-BE49-F238E27FC236}">
-                <a16:creationId xmlns:a16="http://schemas.microsoft.com/office/drawing/2014/main" id="{038456D6-5266-4F29-84F2-CAD7D8BE0D7B}"/>
+                <a16:creationId xmlns:a16="http://schemas.microsoft.com/office/drawing/2014/main" xmlns="" id="{038456D6-5266-4F29-84F2-CAD7D8BE0D7B}"/>
               </a:ext>
             </a:extLst>
           </p:cNvPr>
@@ -423,7 +423,7 @@
           <p:cNvPr id="3" name="Vertical Text Placeholder 2">
             <a:extLst>
               <a:ext uri="{FF2B5EF4-FFF2-40B4-BE49-F238E27FC236}">
-                <a16:creationId xmlns:a16="http://schemas.microsoft.com/office/drawing/2014/main" id="{7E9693D1-EB9B-45D8-8370-AF0BE3F74FF5}"/>
+                <a16:creationId xmlns:a16="http://schemas.microsoft.com/office/drawing/2014/main" xmlns="" id="{7E9693D1-EB9B-45D8-8370-AF0BE3F74FF5}"/>
               </a:ext>
             </a:extLst>
           </p:cNvPr>
@@ -480,7 +480,7 @@
           <p:cNvPr id="4" name="Date Placeholder 3">
             <a:extLst>
               <a:ext uri="{FF2B5EF4-FFF2-40B4-BE49-F238E27FC236}">
-                <a16:creationId xmlns:a16="http://schemas.microsoft.com/office/drawing/2014/main" id="{7E21413A-E9CC-48A5-B834-C3F7A6DB137C}"/>
+                <a16:creationId xmlns:a16="http://schemas.microsoft.com/office/drawing/2014/main" xmlns="" id="{7E21413A-E9CC-48A5-B834-C3F7A6DB137C}"/>
               </a:ext>
             </a:extLst>
           </p:cNvPr>
@@ -498,7 +498,7 @@
           <a:p>
             <a:fld id="{C919893F-B7D7-45B3-8AFD-0C8442689322}" type="datetimeFigureOut">
               <a:rPr lang="en-US" smtClean="0"/>
-              <a:t>7/28/2019</a:t>
+              <a:t>1/29/2020</a:t>
             </a:fld>
             <a:endParaRPr lang="en-US"/>
           </a:p>
@@ -509,7 +509,7 @@
           <p:cNvPr id="5" name="Footer Placeholder 4">
             <a:extLst>
               <a:ext uri="{FF2B5EF4-FFF2-40B4-BE49-F238E27FC236}">
-                <a16:creationId xmlns:a16="http://schemas.microsoft.com/office/drawing/2014/main" id="{26551D00-3F8C-40B8-A66E-27B9808AF59E}"/>
+                <a16:creationId xmlns:a16="http://schemas.microsoft.com/office/drawing/2014/main" xmlns="" id="{26551D00-3F8C-40B8-A66E-27B9808AF59E}"/>
               </a:ext>
             </a:extLst>
           </p:cNvPr>
@@ -534,7 +534,7 @@
           <p:cNvPr id="6" name="Slide Number Placeholder 5">
             <a:extLst>
               <a:ext uri="{FF2B5EF4-FFF2-40B4-BE49-F238E27FC236}">
-                <a16:creationId xmlns:a16="http://schemas.microsoft.com/office/drawing/2014/main" id="{87CB7DFD-37F0-4761-B385-E82B6F38628D}"/>
+                <a16:creationId xmlns:a16="http://schemas.microsoft.com/office/drawing/2014/main" xmlns="" id="{87CB7DFD-37F0-4761-B385-E82B6F38628D}"/>
               </a:ext>
             </a:extLst>
           </p:cNvPr>
@@ -593,7 +593,7 @@
           <p:cNvPr id="2" name="Vertical Title 1">
             <a:extLst>
               <a:ext uri="{FF2B5EF4-FFF2-40B4-BE49-F238E27FC236}">
-                <a16:creationId xmlns:a16="http://schemas.microsoft.com/office/drawing/2014/main" id="{FA7C5838-2EF3-4843-B991-C8134221714A}"/>
+                <a16:creationId xmlns:a16="http://schemas.microsoft.com/office/drawing/2014/main" xmlns="" id="{FA7C5838-2EF3-4843-B991-C8134221714A}"/>
               </a:ext>
             </a:extLst>
           </p:cNvPr>
@@ -626,7 +626,7 @@
           <p:cNvPr id="3" name="Vertical Text Placeholder 2">
             <a:extLst>
               <a:ext uri="{FF2B5EF4-FFF2-40B4-BE49-F238E27FC236}">
-                <a16:creationId xmlns:a16="http://schemas.microsoft.com/office/drawing/2014/main" id="{29B286A3-68F6-47AD-8D97-D6196992EF81}"/>
+                <a16:creationId xmlns:a16="http://schemas.microsoft.com/office/drawing/2014/main" xmlns="" id="{29B286A3-68F6-47AD-8D97-D6196992EF81}"/>
               </a:ext>
             </a:extLst>
           </p:cNvPr>
@@ -688,7 +688,7 @@
           <p:cNvPr id="4" name="Date Placeholder 3">
             <a:extLst>
               <a:ext uri="{FF2B5EF4-FFF2-40B4-BE49-F238E27FC236}">
-                <a16:creationId xmlns:a16="http://schemas.microsoft.com/office/drawing/2014/main" id="{742E7C09-CDB3-4CC5-BB77-9BAB5D151251}"/>
+                <a16:creationId xmlns:a16="http://schemas.microsoft.com/office/drawing/2014/main" xmlns="" id="{742E7C09-CDB3-4CC5-BB77-9BAB5D151251}"/>
               </a:ext>
             </a:extLst>
           </p:cNvPr>
@@ -706,7 +706,7 @@
           <a:p>
             <a:fld id="{C919893F-B7D7-45B3-8AFD-0C8442689322}" type="datetimeFigureOut">
               <a:rPr lang="en-US" smtClean="0"/>
-              <a:t>7/28/2019</a:t>
+              <a:t>1/29/2020</a:t>
             </a:fld>
             <a:endParaRPr lang="en-US"/>
           </a:p>
@@ -717,7 +717,7 @@
           <p:cNvPr id="5" name="Footer Placeholder 4">
             <a:extLst>
               <a:ext uri="{FF2B5EF4-FFF2-40B4-BE49-F238E27FC236}">
-                <a16:creationId xmlns:a16="http://schemas.microsoft.com/office/drawing/2014/main" id="{6B6234C0-A13C-4749-ABD7-439FA394F104}"/>
+                <a16:creationId xmlns:a16="http://schemas.microsoft.com/office/drawing/2014/main" xmlns="" id="{6B6234C0-A13C-4749-ABD7-439FA394F104}"/>
               </a:ext>
             </a:extLst>
           </p:cNvPr>
@@ -742,7 +742,7 @@
           <p:cNvPr id="6" name="Slide Number Placeholder 5">
             <a:extLst>
               <a:ext uri="{FF2B5EF4-FFF2-40B4-BE49-F238E27FC236}">
-                <a16:creationId xmlns:a16="http://schemas.microsoft.com/office/drawing/2014/main" id="{F2DDCDDF-8B26-4C33-962E-1F55E5C83FAE}"/>
+                <a16:creationId xmlns:a16="http://schemas.microsoft.com/office/drawing/2014/main" xmlns="" id="{F2DDCDDF-8B26-4C33-962E-1F55E5C83FAE}"/>
               </a:ext>
             </a:extLst>
           </p:cNvPr>
@@ -801,7 +801,7 @@
           <p:cNvPr id="2" name="Title 1">
             <a:extLst>
               <a:ext uri="{FF2B5EF4-FFF2-40B4-BE49-F238E27FC236}">
-                <a16:creationId xmlns:a16="http://schemas.microsoft.com/office/drawing/2014/main" id="{37B2E5B1-BAAA-4211-8B8C-0DC7949A47C4}"/>
+                <a16:creationId xmlns:a16="http://schemas.microsoft.com/office/drawing/2014/main" xmlns="" id="{37B2E5B1-BAAA-4211-8B8C-0DC7949A47C4}"/>
               </a:ext>
             </a:extLst>
           </p:cNvPr>
@@ -829,7 +829,7 @@
           <p:cNvPr id="3" name="Content Placeholder 2">
             <a:extLst>
               <a:ext uri="{FF2B5EF4-FFF2-40B4-BE49-F238E27FC236}">
-                <a16:creationId xmlns:a16="http://schemas.microsoft.com/office/drawing/2014/main" id="{82D2ABD5-FCD5-4D92-BEB5-8B70CD0C0593}"/>
+                <a16:creationId xmlns:a16="http://schemas.microsoft.com/office/drawing/2014/main" xmlns="" id="{82D2ABD5-FCD5-4D92-BEB5-8B70CD0C0593}"/>
               </a:ext>
             </a:extLst>
           </p:cNvPr>
@@ -886,7 +886,7 @@
           <p:cNvPr id="4" name="Date Placeholder 3">
             <a:extLst>
               <a:ext uri="{FF2B5EF4-FFF2-40B4-BE49-F238E27FC236}">
-                <a16:creationId xmlns:a16="http://schemas.microsoft.com/office/drawing/2014/main" id="{EB1770BD-FDA6-466E-B0DA-020D481C8369}"/>
+                <a16:creationId xmlns:a16="http://schemas.microsoft.com/office/drawing/2014/main" xmlns="" id="{EB1770BD-FDA6-466E-B0DA-020D481C8369}"/>
               </a:ext>
             </a:extLst>
           </p:cNvPr>
@@ -904,7 +904,7 @@
           <a:p>
             <a:fld id="{C919893F-B7D7-45B3-8AFD-0C8442689322}" type="datetimeFigureOut">
               <a:rPr lang="en-US" smtClean="0"/>
-              <a:t>7/28/2019</a:t>
+              <a:t>1/29/2020</a:t>
             </a:fld>
             <a:endParaRPr lang="en-US"/>
           </a:p>
@@ -915,7 +915,7 @@
           <p:cNvPr id="5" name="Footer Placeholder 4">
             <a:extLst>
               <a:ext uri="{FF2B5EF4-FFF2-40B4-BE49-F238E27FC236}">
-                <a16:creationId xmlns:a16="http://schemas.microsoft.com/office/drawing/2014/main" id="{995DAA12-096D-4554-84B8-6BB380AA75BF}"/>
+                <a16:creationId xmlns:a16="http://schemas.microsoft.com/office/drawing/2014/main" xmlns="" id="{995DAA12-096D-4554-84B8-6BB380AA75BF}"/>
               </a:ext>
             </a:extLst>
           </p:cNvPr>
@@ -940,7 +940,7 @@
           <p:cNvPr id="6" name="Slide Number Placeholder 5">
             <a:extLst>
               <a:ext uri="{FF2B5EF4-FFF2-40B4-BE49-F238E27FC236}">
-                <a16:creationId xmlns:a16="http://schemas.microsoft.com/office/drawing/2014/main" id="{D22E268B-FF21-4785-8128-ECE2B7E040C0}"/>
+                <a16:creationId xmlns:a16="http://schemas.microsoft.com/office/drawing/2014/main" xmlns="" id="{D22E268B-FF21-4785-8128-ECE2B7E040C0}"/>
               </a:ext>
             </a:extLst>
           </p:cNvPr>
@@ -999,7 +999,7 @@
           <p:cNvPr id="2" name="Title 1">
             <a:extLst>
               <a:ext uri="{FF2B5EF4-FFF2-40B4-BE49-F238E27FC236}">
-                <a16:creationId xmlns:a16="http://schemas.microsoft.com/office/drawing/2014/main" id="{58AF0079-4098-4635-99DB-76828D18AE7C}"/>
+                <a16:creationId xmlns:a16="http://schemas.microsoft.com/office/drawing/2014/main" xmlns="" id="{58AF0079-4098-4635-99DB-76828D18AE7C}"/>
               </a:ext>
             </a:extLst>
           </p:cNvPr>
@@ -1036,7 +1036,7 @@
           <p:cNvPr id="3" name="Text Placeholder 2">
             <a:extLst>
               <a:ext uri="{FF2B5EF4-FFF2-40B4-BE49-F238E27FC236}">
-                <a16:creationId xmlns:a16="http://schemas.microsoft.com/office/drawing/2014/main" id="{5BA88D90-2C6D-4E01-9200-70185FCC4D8D}"/>
+                <a16:creationId xmlns:a16="http://schemas.microsoft.com/office/drawing/2014/main" xmlns="" id="{5BA88D90-2C6D-4E01-9200-70185FCC4D8D}"/>
               </a:ext>
             </a:extLst>
           </p:cNvPr>
@@ -1161,7 +1161,7 @@
           <p:cNvPr id="4" name="Date Placeholder 3">
             <a:extLst>
               <a:ext uri="{FF2B5EF4-FFF2-40B4-BE49-F238E27FC236}">
-                <a16:creationId xmlns:a16="http://schemas.microsoft.com/office/drawing/2014/main" id="{1E75B0CB-7517-4140-A8E9-6472DB1781A9}"/>
+                <a16:creationId xmlns:a16="http://schemas.microsoft.com/office/drawing/2014/main" xmlns="" id="{1E75B0CB-7517-4140-A8E9-6472DB1781A9}"/>
               </a:ext>
             </a:extLst>
           </p:cNvPr>
@@ -1179,7 +1179,7 @@
           <a:p>
             <a:fld id="{C919893F-B7D7-45B3-8AFD-0C8442689322}" type="datetimeFigureOut">
               <a:rPr lang="en-US" smtClean="0"/>
-              <a:t>7/28/2019</a:t>
+              <a:t>1/29/2020</a:t>
             </a:fld>
             <a:endParaRPr lang="en-US"/>
           </a:p>
@@ -1190,7 +1190,7 @@
           <p:cNvPr id="5" name="Footer Placeholder 4">
             <a:extLst>
               <a:ext uri="{FF2B5EF4-FFF2-40B4-BE49-F238E27FC236}">
-                <a16:creationId xmlns:a16="http://schemas.microsoft.com/office/drawing/2014/main" id="{2272098B-F6F3-4DDD-9E3A-8A80FC520E8E}"/>
+                <a16:creationId xmlns:a16="http://schemas.microsoft.com/office/drawing/2014/main" xmlns="" id="{2272098B-F6F3-4DDD-9E3A-8A80FC520E8E}"/>
               </a:ext>
             </a:extLst>
           </p:cNvPr>
@@ -1215,7 +1215,7 @@
           <p:cNvPr id="6" name="Slide Number Placeholder 5">
             <a:extLst>
               <a:ext uri="{FF2B5EF4-FFF2-40B4-BE49-F238E27FC236}">
-                <a16:creationId xmlns:a16="http://schemas.microsoft.com/office/drawing/2014/main" id="{BC043F00-68BE-476E-9A00-ECC8C9E7EF14}"/>
+                <a16:creationId xmlns:a16="http://schemas.microsoft.com/office/drawing/2014/main" xmlns="" id="{BC043F00-68BE-476E-9A00-ECC8C9E7EF14}"/>
               </a:ext>
             </a:extLst>
           </p:cNvPr>
@@ -1274,7 +1274,7 @@
           <p:cNvPr id="2" name="Title 1">
             <a:extLst>
               <a:ext uri="{FF2B5EF4-FFF2-40B4-BE49-F238E27FC236}">
-                <a16:creationId xmlns:a16="http://schemas.microsoft.com/office/drawing/2014/main" id="{C888A5F1-06D9-47D5-B8B0-1C865F54872F}"/>
+                <a16:creationId xmlns:a16="http://schemas.microsoft.com/office/drawing/2014/main" xmlns="" id="{C888A5F1-06D9-47D5-B8B0-1C865F54872F}"/>
               </a:ext>
             </a:extLst>
           </p:cNvPr>
@@ -1302,7 +1302,7 @@
           <p:cNvPr id="3" name="Content Placeholder 2">
             <a:extLst>
               <a:ext uri="{FF2B5EF4-FFF2-40B4-BE49-F238E27FC236}">
-                <a16:creationId xmlns:a16="http://schemas.microsoft.com/office/drawing/2014/main" id="{2550191A-DB7B-43B6-BE15-7E837DC10BBC}"/>
+                <a16:creationId xmlns:a16="http://schemas.microsoft.com/office/drawing/2014/main" xmlns="" id="{2550191A-DB7B-43B6-BE15-7E837DC10BBC}"/>
               </a:ext>
             </a:extLst>
           </p:cNvPr>
@@ -1364,7 +1364,7 @@
           <p:cNvPr id="4" name="Content Placeholder 3">
             <a:extLst>
               <a:ext uri="{FF2B5EF4-FFF2-40B4-BE49-F238E27FC236}">
-                <a16:creationId xmlns:a16="http://schemas.microsoft.com/office/drawing/2014/main" id="{862E39BD-4A9E-493D-AC72-FFF170BB85CC}"/>
+                <a16:creationId xmlns:a16="http://schemas.microsoft.com/office/drawing/2014/main" xmlns="" id="{862E39BD-4A9E-493D-AC72-FFF170BB85CC}"/>
               </a:ext>
             </a:extLst>
           </p:cNvPr>
@@ -1426,7 +1426,7 @@
           <p:cNvPr id="5" name="Date Placeholder 4">
             <a:extLst>
               <a:ext uri="{FF2B5EF4-FFF2-40B4-BE49-F238E27FC236}">
-                <a16:creationId xmlns:a16="http://schemas.microsoft.com/office/drawing/2014/main" id="{BC14CFBD-28B6-450D-A3D0-6AB65FA8005D}"/>
+                <a16:creationId xmlns:a16="http://schemas.microsoft.com/office/drawing/2014/main" xmlns="" id="{BC14CFBD-28B6-450D-A3D0-6AB65FA8005D}"/>
               </a:ext>
             </a:extLst>
           </p:cNvPr>
@@ -1444,7 +1444,7 @@
           <a:p>
             <a:fld id="{C919893F-B7D7-45B3-8AFD-0C8442689322}" type="datetimeFigureOut">
               <a:rPr lang="en-US" smtClean="0"/>
-              <a:t>7/28/2019</a:t>
+              <a:t>1/29/2020</a:t>
             </a:fld>
             <a:endParaRPr lang="en-US"/>
           </a:p>
@@ -1455,7 +1455,7 @@
           <p:cNvPr id="6" name="Footer Placeholder 5">
             <a:extLst>
               <a:ext uri="{FF2B5EF4-FFF2-40B4-BE49-F238E27FC236}">
-                <a16:creationId xmlns:a16="http://schemas.microsoft.com/office/drawing/2014/main" id="{1E412233-C4B1-4658-A292-50C624EBD5BD}"/>
+                <a16:creationId xmlns:a16="http://schemas.microsoft.com/office/drawing/2014/main" xmlns="" id="{1E412233-C4B1-4658-A292-50C624EBD5BD}"/>
               </a:ext>
             </a:extLst>
           </p:cNvPr>
@@ -1480,7 +1480,7 @@
           <p:cNvPr id="7" name="Slide Number Placeholder 6">
             <a:extLst>
               <a:ext uri="{FF2B5EF4-FFF2-40B4-BE49-F238E27FC236}">
-                <a16:creationId xmlns:a16="http://schemas.microsoft.com/office/drawing/2014/main" id="{C2CD337A-0623-4863-BDEA-89084EAE6DF4}"/>
+                <a16:creationId xmlns:a16="http://schemas.microsoft.com/office/drawing/2014/main" xmlns="" id="{C2CD337A-0623-4863-BDEA-89084EAE6DF4}"/>
               </a:ext>
             </a:extLst>
           </p:cNvPr>
@@ -1539,7 +1539,7 @@
           <p:cNvPr id="2" name="Title 1">
             <a:extLst>
               <a:ext uri="{FF2B5EF4-FFF2-40B4-BE49-F238E27FC236}">
-                <a16:creationId xmlns:a16="http://schemas.microsoft.com/office/drawing/2014/main" id="{FE21BEC9-9384-47CC-8AA1-C24A8374BA12}"/>
+                <a16:creationId xmlns:a16="http://schemas.microsoft.com/office/drawing/2014/main" xmlns="" id="{FE21BEC9-9384-47CC-8AA1-C24A8374BA12}"/>
               </a:ext>
             </a:extLst>
           </p:cNvPr>
@@ -1572,7 +1572,7 @@
           <p:cNvPr id="3" name="Text Placeholder 2">
             <a:extLst>
               <a:ext uri="{FF2B5EF4-FFF2-40B4-BE49-F238E27FC236}">
-                <a16:creationId xmlns:a16="http://schemas.microsoft.com/office/drawing/2014/main" id="{01D2E058-1837-4E6E-B7BC-73E171C9CA76}"/>
+                <a16:creationId xmlns:a16="http://schemas.microsoft.com/office/drawing/2014/main" xmlns="" id="{01D2E058-1837-4E6E-B7BC-73E171C9CA76}"/>
               </a:ext>
             </a:extLst>
           </p:cNvPr>
@@ -1643,7 +1643,7 @@
           <p:cNvPr id="4" name="Content Placeholder 3">
             <a:extLst>
               <a:ext uri="{FF2B5EF4-FFF2-40B4-BE49-F238E27FC236}">
-                <a16:creationId xmlns:a16="http://schemas.microsoft.com/office/drawing/2014/main" id="{82C7DEDA-EABB-46B8-813E-4926EF069A76}"/>
+                <a16:creationId xmlns:a16="http://schemas.microsoft.com/office/drawing/2014/main" xmlns="" id="{82C7DEDA-EABB-46B8-813E-4926EF069A76}"/>
               </a:ext>
             </a:extLst>
           </p:cNvPr>
@@ -1705,7 +1705,7 @@
           <p:cNvPr id="5" name="Text Placeholder 4">
             <a:extLst>
               <a:ext uri="{FF2B5EF4-FFF2-40B4-BE49-F238E27FC236}">
-                <a16:creationId xmlns:a16="http://schemas.microsoft.com/office/drawing/2014/main" id="{094722CB-7975-40F4-B1EA-81934D061715}"/>
+                <a16:creationId xmlns:a16="http://schemas.microsoft.com/office/drawing/2014/main" xmlns="" id="{094722CB-7975-40F4-B1EA-81934D061715}"/>
               </a:ext>
             </a:extLst>
           </p:cNvPr>
@@ -1776,7 +1776,7 @@
           <p:cNvPr id="6" name="Content Placeholder 5">
             <a:extLst>
               <a:ext uri="{FF2B5EF4-FFF2-40B4-BE49-F238E27FC236}">
-                <a16:creationId xmlns:a16="http://schemas.microsoft.com/office/drawing/2014/main" id="{ABD454E0-4A79-4E57-B243-A68223212DCC}"/>
+                <a16:creationId xmlns:a16="http://schemas.microsoft.com/office/drawing/2014/main" xmlns="" id="{ABD454E0-4A79-4E57-B243-A68223212DCC}"/>
               </a:ext>
             </a:extLst>
           </p:cNvPr>
@@ -1838,7 +1838,7 @@
           <p:cNvPr id="7" name="Date Placeholder 6">
             <a:extLst>
               <a:ext uri="{FF2B5EF4-FFF2-40B4-BE49-F238E27FC236}">
-                <a16:creationId xmlns:a16="http://schemas.microsoft.com/office/drawing/2014/main" id="{05321B6B-A28D-4ADC-82FB-6F49A0D81F84}"/>
+                <a16:creationId xmlns:a16="http://schemas.microsoft.com/office/drawing/2014/main" xmlns="" id="{05321B6B-A28D-4ADC-82FB-6F49A0D81F84}"/>
               </a:ext>
             </a:extLst>
           </p:cNvPr>
@@ -1856,7 +1856,7 @@
           <a:p>
             <a:fld id="{C919893F-B7D7-45B3-8AFD-0C8442689322}" type="datetimeFigureOut">
               <a:rPr lang="en-US" smtClean="0"/>
-              <a:t>7/28/2019</a:t>
+              <a:t>1/29/2020</a:t>
             </a:fld>
             <a:endParaRPr lang="en-US"/>
           </a:p>
@@ -1867,7 +1867,7 @@
           <p:cNvPr id="8" name="Footer Placeholder 7">
             <a:extLst>
               <a:ext uri="{FF2B5EF4-FFF2-40B4-BE49-F238E27FC236}">
-                <a16:creationId xmlns:a16="http://schemas.microsoft.com/office/drawing/2014/main" id="{C46F9728-B873-4BEC-ADAF-B18CD466DA8D}"/>
+                <a16:creationId xmlns:a16="http://schemas.microsoft.com/office/drawing/2014/main" xmlns="" id="{C46F9728-B873-4BEC-ADAF-B18CD466DA8D}"/>
               </a:ext>
             </a:extLst>
           </p:cNvPr>
@@ -1892,7 +1892,7 @@
           <p:cNvPr id="9" name="Slide Number Placeholder 8">
             <a:extLst>
               <a:ext uri="{FF2B5EF4-FFF2-40B4-BE49-F238E27FC236}">
-                <a16:creationId xmlns:a16="http://schemas.microsoft.com/office/drawing/2014/main" id="{F09AE618-AA62-4978-B568-C283844178EE}"/>
+                <a16:creationId xmlns:a16="http://schemas.microsoft.com/office/drawing/2014/main" xmlns="" id="{F09AE618-AA62-4978-B568-C283844178EE}"/>
               </a:ext>
             </a:extLst>
           </p:cNvPr>
@@ -1951,7 +1951,7 @@
           <p:cNvPr id="2" name="Title 1">
             <a:extLst>
               <a:ext uri="{FF2B5EF4-FFF2-40B4-BE49-F238E27FC236}">
-                <a16:creationId xmlns:a16="http://schemas.microsoft.com/office/drawing/2014/main" id="{BC751B62-6765-4FDC-99B0-45EC6E5D962F}"/>
+                <a16:creationId xmlns:a16="http://schemas.microsoft.com/office/drawing/2014/main" xmlns="" id="{BC751B62-6765-4FDC-99B0-45EC6E5D962F}"/>
               </a:ext>
             </a:extLst>
           </p:cNvPr>
@@ -1979,7 +1979,7 @@
           <p:cNvPr id="3" name="Date Placeholder 2">
             <a:extLst>
               <a:ext uri="{FF2B5EF4-FFF2-40B4-BE49-F238E27FC236}">
-                <a16:creationId xmlns:a16="http://schemas.microsoft.com/office/drawing/2014/main" id="{DFE75D29-CBE7-45E9-BEC5-2AA67D300F23}"/>
+                <a16:creationId xmlns:a16="http://schemas.microsoft.com/office/drawing/2014/main" xmlns="" id="{DFE75D29-CBE7-45E9-BEC5-2AA67D300F23}"/>
               </a:ext>
             </a:extLst>
           </p:cNvPr>
@@ -1997,7 +1997,7 @@
           <a:p>
             <a:fld id="{C919893F-B7D7-45B3-8AFD-0C8442689322}" type="datetimeFigureOut">
               <a:rPr lang="en-US" smtClean="0"/>
-              <a:t>7/28/2019</a:t>
+              <a:t>1/29/2020</a:t>
             </a:fld>
             <a:endParaRPr lang="en-US"/>
           </a:p>
@@ -2008,7 +2008,7 @@
           <p:cNvPr id="4" name="Footer Placeholder 3">
             <a:extLst>
               <a:ext uri="{FF2B5EF4-FFF2-40B4-BE49-F238E27FC236}">
-                <a16:creationId xmlns:a16="http://schemas.microsoft.com/office/drawing/2014/main" id="{216D32C0-CB79-40A2-8DE7-BCE9D9015307}"/>
+                <a16:creationId xmlns:a16="http://schemas.microsoft.com/office/drawing/2014/main" xmlns="" id="{216D32C0-CB79-40A2-8DE7-BCE9D9015307}"/>
               </a:ext>
             </a:extLst>
           </p:cNvPr>
@@ -2033,7 +2033,7 @@
           <p:cNvPr id="5" name="Slide Number Placeholder 4">
             <a:extLst>
               <a:ext uri="{FF2B5EF4-FFF2-40B4-BE49-F238E27FC236}">
-                <a16:creationId xmlns:a16="http://schemas.microsoft.com/office/drawing/2014/main" id="{67D64BC1-A4E2-4FE9-B28A-7BA7CDCCD142}"/>
+                <a16:creationId xmlns:a16="http://schemas.microsoft.com/office/drawing/2014/main" xmlns="" id="{67D64BC1-A4E2-4FE9-B28A-7BA7CDCCD142}"/>
               </a:ext>
             </a:extLst>
           </p:cNvPr>
@@ -2092,7 +2092,7 @@
           <p:cNvPr id="2" name="Date Placeholder 1">
             <a:extLst>
               <a:ext uri="{FF2B5EF4-FFF2-40B4-BE49-F238E27FC236}">
-                <a16:creationId xmlns:a16="http://schemas.microsoft.com/office/drawing/2014/main" id="{C9CB9D4F-CD6E-4DB2-8D38-B1EBBE3B3D5C}"/>
+                <a16:creationId xmlns:a16="http://schemas.microsoft.com/office/drawing/2014/main" xmlns="" id="{C9CB9D4F-CD6E-4DB2-8D38-B1EBBE3B3D5C}"/>
               </a:ext>
             </a:extLst>
           </p:cNvPr>
@@ -2110,7 +2110,7 @@
           <a:p>
             <a:fld id="{C919893F-B7D7-45B3-8AFD-0C8442689322}" type="datetimeFigureOut">
               <a:rPr lang="en-US" smtClean="0"/>
-              <a:t>7/28/2019</a:t>
+              <a:t>1/29/2020</a:t>
             </a:fld>
             <a:endParaRPr lang="en-US"/>
           </a:p>
@@ -2121,7 +2121,7 @@
           <p:cNvPr id="3" name="Footer Placeholder 2">
             <a:extLst>
               <a:ext uri="{FF2B5EF4-FFF2-40B4-BE49-F238E27FC236}">
-                <a16:creationId xmlns:a16="http://schemas.microsoft.com/office/drawing/2014/main" id="{F42F4241-5F62-4306-9A41-4E5FA2DC050C}"/>
+                <a16:creationId xmlns:a16="http://schemas.microsoft.com/office/drawing/2014/main" xmlns="" id="{F42F4241-5F62-4306-9A41-4E5FA2DC050C}"/>
               </a:ext>
             </a:extLst>
           </p:cNvPr>
@@ -2146,7 +2146,7 @@
           <p:cNvPr id="4" name="Slide Number Placeholder 3">
             <a:extLst>
               <a:ext uri="{FF2B5EF4-FFF2-40B4-BE49-F238E27FC236}">
-                <a16:creationId xmlns:a16="http://schemas.microsoft.com/office/drawing/2014/main" id="{F1E2CB87-764B-43D0-B2CF-331CA41AE6C6}"/>
+                <a16:creationId xmlns:a16="http://schemas.microsoft.com/office/drawing/2014/main" xmlns="" id="{F1E2CB87-764B-43D0-B2CF-331CA41AE6C6}"/>
               </a:ext>
             </a:extLst>
           </p:cNvPr>
@@ -2205,7 +2205,7 @@
           <p:cNvPr id="2" name="Title 1">
             <a:extLst>
               <a:ext uri="{FF2B5EF4-FFF2-40B4-BE49-F238E27FC236}">
-                <a16:creationId xmlns:a16="http://schemas.microsoft.com/office/drawing/2014/main" id="{0786C476-B9D7-417F-9DA8-842190C4CA69}"/>
+                <a16:creationId xmlns:a16="http://schemas.microsoft.com/office/drawing/2014/main" xmlns="" id="{0786C476-B9D7-417F-9DA8-842190C4CA69}"/>
               </a:ext>
             </a:extLst>
           </p:cNvPr>
@@ -2242,7 +2242,7 @@
           <p:cNvPr id="3" name="Content Placeholder 2">
             <a:extLst>
               <a:ext uri="{FF2B5EF4-FFF2-40B4-BE49-F238E27FC236}">
-                <a16:creationId xmlns:a16="http://schemas.microsoft.com/office/drawing/2014/main" id="{C3B9EC7C-04A1-4C08-83AF-704958898556}"/>
+                <a16:creationId xmlns:a16="http://schemas.microsoft.com/office/drawing/2014/main" xmlns="" id="{C3B9EC7C-04A1-4C08-83AF-704958898556}"/>
               </a:ext>
             </a:extLst>
           </p:cNvPr>
@@ -2332,7 +2332,7 @@
           <p:cNvPr id="4" name="Text Placeholder 3">
             <a:extLst>
               <a:ext uri="{FF2B5EF4-FFF2-40B4-BE49-F238E27FC236}">
-                <a16:creationId xmlns:a16="http://schemas.microsoft.com/office/drawing/2014/main" id="{4193595C-00D4-404D-BB6F-69198E3102AC}"/>
+                <a16:creationId xmlns:a16="http://schemas.microsoft.com/office/drawing/2014/main" xmlns="" id="{4193595C-00D4-404D-BB6F-69198E3102AC}"/>
               </a:ext>
             </a:extLst>
           </p:cNvPr>
@@ -2403,7 +2403,7 @@
           <p:cNvPr id="5" name="Date Placeholder 4">
             <a:extLst>
               <a:ext uri="{FF2B5EF4-FFF2-40B4-BE49-F238E27FC236}">
-                <a16:creationId xmlns:a16="http://schemas.microsoft.com/office/drawing/2014/main" id="{1572E38A-3C15-4263-A251-98ABD2BB6629}"/>
+                <a16:creationId xmlns:a16="http://schemas.microsoft.com/office/drawing/2014/main" xmlns="" id="{1572E38A-3C15-4263-A251-98ABD2BB6629}"/>
               </a:ext>
             </a:extLst>
           </p:cNvPr>
@@ -2421,7 +2421,7 @@
           <a:p>
             <a:fld id="{C919893F-B7D7-45B3-8AFD-0C8442689322}" type="datetimeFigureOut">
               <a:rPr lang="en-US" smtClean="0"/>
-              <a:t>7/28/2019</a:t>
+              <a:t>1/29/2020</a:t>
             </a:fld>
             <a:endParaRPr lang="en-US"/>
           </a:p>
@@ -2432,7 +2432,7 @@
           <p:cNvPr id="6" name="Footer Placeholder 5">
             <a:extLst>
               <a:ext uri="{FF2B5EF4-FFF2-40B4-BE49-F238E27FC236}">
-                <a16:creationId xmlns:a16="http://schemas.microsoft.com/office/drawing/2014/main" id="{36BB6D44-E2E7-4D6B-85CD-5294C63A65AE}"/>
+                <a16:creationId xmlns:a16="http://schemas.microsoft.com/office/drawing/2014/main" xmlns="" id="{36BB6D44-E2E7-4D6B-85CD-5294C63A65AE}"/>
               </a:ext>
             </a:extLst>
           </p:cNvPr>
@@ -2457,7 +2457,7 @@
           <p:cNvPr id="7" name="Slide Number Placeholder 6">
             <a:extLst>
               <a:ext uri="{FF2B5EF4-FFF2-40B4-BE49-F238E27FC236}">
-                <a16:creationId xmlns:a16="http://schemas.microsoft.com/office/drawing/2014/main" id="{BA8EF8FF-943F-4416-81F8-1A6F49609985}"/>
+                <a16:creationId xmlns:a16="http://schemas.microsoft.com/office/drawing/2014/main" xmlns="" id="{BA8EF8FF-943F-4416-81F8-1A6F49609985}"/>
               </a:ext>
             </a:extLst>
           </p:cNvPr>
@@ -2516,7 +2516,7 @@
           <p:cNvPr id="2" name="Title 1">
             <a:extLst>
               <a:ext uri="{FF2B5EF4-FFF2-40B4-BE49-F238E27FC236}">
-                <a16:creationId xmlns:a16="http://schemas.microsoft.com/office/drawing/2014/main" id="{231473D2-4359-403E-A10E-DA542D112160}"/>
+                <a16:creationId xmlns:a16="http://schemas.microsoft.com/office/drawing/2014/main" xmlns="" id="{231473D2-4359-403E-A10E-DA542D112160}"/>
               </a:ext>
             </a:extLst>
           </p:cNvPr>
@@ -2553,7 +2553,7 @@
           <p:cNvPr id="3" name="Picture Placeholder 2">
             <a:extLst>
               <a:ext uri="{FF2B5EF4-FFF2-40B4-BE49-F238E27FC236}">
-                <a16:creationId xmlns:a16="http://schemas.microsoft.com/office/drawing/2014/main" id="{ABC849A0-4D06-49FB-A573-8C099865588F}"/>
+                <a16:creationId xmlns:a16="http://schemas.microsoft.com/office/drawing/2014/main" xmlns="" id="{ABC849A0-4D06-49FB-A573-8C099865588F}"/>
               </a:ext>
             </a:extLst>
           </p:cNvPr>
@@ -2620,7 +2620,7 @@
           <p:cNvPr id="4" name="Text Placeholder 3">
             <a:extLst>
               <a:ext uri="{FF2B5EF4-FFF2-40B4-BE49-F238E27FC236}">
-                <a16:creationId xmlns:a16="http://schemas.microsoft.com/office/drawing/2014/main" id="{73C27725-608E-4C9B-8199-B7E02DDB6189}"/>
+                <a16:creationId xmlns:a16="http://schemas.microsoft.com/office/drawing/2014/main" xmlns="" id="{73C27725-608E-4C9B-8199-B7E02DDB6189}"/>
               </a:ext>
             </a:extLst>
           </p:cNvPr>
@@ -2691,7 +2691,7 @@
           <p:cNvPr id="5" name="Date Placeholder 4">
             <a:extLst>
               <a:ext uri="{FF2B5EF4-FFF2-40B4-BE49-F238E27FC236}">
-                <a16:creationId xmlns:a16="http://schemas.microsoft.com/office/drawing/2014/main" id="{0C98BE3F-F6B3-4263-B7DB-E5FCBB3097E3}"/>
+                <a16:creationId xmlns:a16="http://schemas.microsoft.com/office/drawing/2014/main" xmlns="" id="{0C98BE3F-F6B3-4263-B7DB-E5FCBB3097E3}"/>
               </a:ext>
             </a:extLst>
           </p:cNvPr>
@@ -2709,7 +2709,7 @@
           <a:p>
             <a:fld id="{C919893F-B7D7-45B3-8AFD-0C8442689322}" type="datetimeFigureOut">
               <a:rPr lang="en-US" smtClean="0"/>
-              <a:t>7/28/2019</a:t>
+              <a:t>1/29/2020</a:t>
             </a:fld>
             <a:endParaRPr lang="en-US"/>
           </a:p>
@@ -2720,7 +2720,7 @@
           <p:cNvPr id="6" name="Footer Placeholder 5">
             <a:extLst>
               <a:ext uri="{FF2B5EF4-FFF2-40B4-BE49-F238E27FC236}">
-                <a16:creationId xmlns:a16="http://schemas.microsoft.com/office/drawing/2014/main" id="{AC10853A-3B0F-4B5B-B73C-C5EA87D696D2}"/>
+                <a16:creationId xmlns:a16="http://schemas.microsoft.com/office/drawing/2014/main" xmlns="" id="{AC10853A-3B0F-4B5B-B73C-C5EA87D696D2}"/>
               </a:ext>
             </a:extLst>
           </p:cNvPr>
@@ -2745,7 +2745,7 @@
           <p:cNvPr id="7" name="Slide Number Placeholder 6">
             <a:extLst>
               <a:ext uri="{FF2B5EF4-FFF2-40B4-BE49-F238E27FC236}">
-                <a16:creationId xmlns:a16="http://schemas.microsoft.com/office/drawing/2014/main" id="{B74395A5-1B25-435E-BE30-E1CAECBDA19D}"/>
+                <a16:creationId xmlns:a16="http://schemas.microsoft.com/office/drawing/2014/main" xmlns="" id="{B74395A5-1B25-435E-BE30-E1CAECBDA19D}"/>
               </a:ext>
             </a:extLst>
           </p:cNvPr>
@@ -2809,7 +2809,7 @@
           <p:cNvPr id="2" name="Title Placeholder 1">
             <a:extLst>
               <a:ext uri="{FF2B5EF4-FFF2-40B4-BE49-F238E27FC236}">
-                <a16:creationId xmlns:a16="http://schemas.microsoft.com/office/drawing/2014/main" id="{A9EEE3C4-F8E3-44BA-B651-6965DC105D70}"/>
+                <a16:creationId xmlns:a16="http://schemas.microsoft.com/office/drawing/2014/main" xmlns="" id="{A9EEE3C4-F8E3-44BA-B651-6965DC105D70}"/>
               </a:ext>
             </a:extLst>
           </p:cNvPr>
@@ -2847,7 +2847,7 @@
           <p:cNvPr id="3" name="Text Placeholder 2">
             <a:extLst>
               <a:ext uri="{FF2B5EF4-FFF2-40B4-BE49-F238E27FC236}">
-                <a16:creationId xmlns:a16="http://schemas.microsoft.com/office/drawing/2014/main" id="{9A8F3EB2-A994-47B7-9C22-B7C9B8375992}"/>
+                <a16:creationId xmlns:a16="http://schemas.microsoft.com/office/drawing/2014/main" xmlns="" id="{9A8F3EB2-A994-47B7-9C22-B7C9B8375992}"/>
               </a:ext>
             </a:extLst>
           </p:cNvPr>
@@ -2914,7 +2914,7 @@
           <p:cNvPr id="4" name="Date Placeholder 3">
             <a:extLst>
               <a:ext uri="{FF2B5EF4-FFF2-40B4-BE49-F238E27FC236}">
-                <a16:creationId xmlns:a16="http://schemas.microsoft.com/office/drawing/2014/main" id="{4E3D45EE-547B-4039-A504-E91CA4685066}"/>
+                <a16:creationId xmlns:a16="http://schemas.microsoft.com/office/drawing/2014/main" xmlns="" id="{4E3D45EE-547B-4039-A504-E91CA4685066}"/>
               </a:ext>
             </a:extLst>
           </p:cNvPr>
@@ -2950,7 +2950,7 @@
           <a:p>
             <a:fld id="{C919893F-B7D7-45B3-8AFD-0C8442689322}" type="datetimeFigureOut">
               <a:rPr lang="en-US" smtClean="0"/>
-              <a:t>7/28/2019</a:t>
+              <a:t>1/29/2020</a:t>
             </a:fld>
             <a:endParaRPr lang="en-US"/>
           </a:p>
@@ -2961,7 +2961,7 @@
           <p:cNvPr id="5" name="Footer Placeholder 4">
             <a:extLst>
               <a:ext uri="{FF2B5EF4-FFF2-40B4-BE49-F238E27FC236}">
-                <a16:creationId xmlns:a16="http://schemas.microsoft.com/office/drawing/2014/main" id="{67019EBB-06C4-423B-9A19-B03F57D12929}"/>
+                <a16:creationId xmlns:a16="http://schemas.microsoft.com/office/drawing/2014/main" xmlns="" id="{67019EBB-06C4-423B-9A19-B03F57D12929}"/>
               </a:ext>
             </a:extLst>
           </p:cNvPr>
@@ -3004,7 +3004,7 @@
           <p:cNvPr id="6" name="Slide Number Placeholder 5">
             <a:extLst>
               <a:ext uri="{FF2B5EF4-FFF2-40B4-BE49-F238E27FC236}">
-                <a16:creationId xmlns:a16="http://schemas.microsoft.com/office/drawing/2014/main" id="{CDDCB156-CCDF-4065-A2C5-FAFD653E4BD9}"/>
+                <a16:creationId xmlns:a16="http://schemas.microsoft.com/office/drawing/2014/main" xmlns="" id="{CDDCB156-CCDF-4065-A2C5-FAFD653E4BD9}"/>
               </a:ext>
             </a:extLst>
           </p:cNvPr>
@@ -3372,7 +3372,7 @@
           <p:cNvPr id="2" name="Rectangle 1">
             <a:extLst>
               <a:ext uri="{FF2B5EF4-FFF2-40B4-BE49-F238E27FC236}">
-                <a16:creationId xmlns:a16="http://schemas.microsoft.com/office/drawing/2014/main" id="{20DF9063-C4BF-4624-AC04-F046D0C73904}"/>
+                <a16:creationId xmlns:a16="http://schemas.microsoft.com/office/drawing/2014/main" xmlns="" id="{20DF9063-C4BF-4624-AC04-F046D0C73904}"/>
               </a:ext>
             </a:extLst>
           </p:cNvPr>
@@ -3424,7 +3424,7 @@
           <p:cNvPr id="1026" name="Picture 2" descr="Image result for lyft logo png">
             <a:extLst>
               <a:ext uri="{FF2B5EF4-FFF2-40B4-BE49-F238E27FC236}">
-                <a16:creationId xmlns:a16="http://schemas.microsoft.com/office/drawing/2014/main" id="{53FC4135-6F1C-4301-8106-2503A699CA9F}"/>
+                <a16:creationId xmlns:a16="http://schemas.microsoft.com/office/drawing/2014/main" xmlns="" id="{53FC4135-6F1C-4301-8106-2503A699CA9F}"/>
               </a:ext>
             </a:extLst>
           </p:cNvPr>
@@ -3434,7 +3434,7 @@
           <p:nvPr/>
         </p:nvPicPr>
         <p:blipFill>
-          <a:blip r:embed="rId2">
+          <a:blip r:embed="rId2" cstate="print">
             <a:clrChange>
               <a:clrFrom>
                 <a:srgbClr val="000000">
@@ -3483,7 +3483,7 @@
           <p:cNvPr id="4" name="TextBox 3">
             <a:extLst>
               <a:ext uri="{FF2B5EF4-FFF2-40B4-BE49-F238E27FC236}">
-                <a16:creationId xmlns:a16="http://schemas.microsoft.com/office/drawing/2014/main" id="{74650D6F-E54E-47CB-B3AA-C37B966425EB}"/>
+                <a16:creationId xmlns:a16="http://schemas.microsoft.com/office/drawing/2014/main" xmlns="" id="{74650D6F-E54E-47CB-B3AA-C37B966425EB}"/>
               </a:ext>
             </a:extLst>
           </p:cNvPr>
@@ -3527,59 +3527,6 @@
                 <a:latin typeface="Century Gothic" panose="020B0502020202020204" pitchFamily="34" charset="0"/>
               </a:rPr>
               <a:t> Bike Sharing </a:t>
-            </a:r>
-          </a:p>
-        </p:txBody>
-      </p:sp>
-      <p:sp>
-        <p:nvSpPr>
-          <p:cNvPr id="6" name="TextBox 5">
-            <a:extLst>
-              <a:ext uri="{FF2B5EF4-FFF2-40B4-BE49-F238E27FC236}">
-                <a16:creationId xmlns:a16="http://schemas.microsoft.com/office/drawing/2014/main" id="{880B9A73-3A57-4C19-A06C-624C302412D0}"/>
-              </a:ext>
-            </a:extLst>
-          </p:cNvPr>
-          <p:cNvSpPr txBox="1"/>
-          <p:nvPr/>
-        </p:nvSpPr>
-        <p:spPr>
-          <a:xfrm>
-            <a:off x="436880" y="5555734"/>
-            <a:ext cx="11318240" cy="923330"/>
-          </a:xfrm>
-          <a:prstGeom prst="rect">
-            <a:avLst/>
-          </a:prstGeom>
-          <a:noFill/>
-        </p:spPr>
-        <p:txBody>
-          <a:bodyPr wrap="square" rtlCol="0">
-            <a:spAutoFit/>
-          </a:bodyPr>
-          <a:lstStyle/>
-          <a:p>
-            <a:pPr algn="ctr"/>
-            <a:r>
-              <a:rPr lang="en-US" b="1" dirty="0">
-                <a:latin typeface="Century Gothic" panose="020B0502020202020204" pitchFamily="34" charset="0"/>
-              </a:rPr>
-              <a:t>TEAM – 5</a:t>
-            </a:r>
-          </a:p>
-          <a:p>
-            <a:pPr algn="ctr"/>
-            <a:endParaRPr lang="en-US" dirty="0">
-              <a:latin typeface="Century Gothic" panose="020B0502020202020204" pitchFamily="34" charset="0"/>
-            </a:endParaRPr>
-          </a:p>
-          <a:p>
-            <a:pPr algn="ctr"/>
-            <a:r>
-              <a:rPr lang="en-US" dirty="0">
-                <a:latin typeface="Century Gothic" panose="020B0502020202020204" pitchFamily="34" charset="0"/>
-              </a:rPr>
-              <a:t>AKSHAY MADAR | RAHUL MADHU | TIRTHANKAR MUKHOPADHYAY | VARUN SINGH | XEMA PATHAK</a:t>
             </a:r>
           </a:p>
         </p:txBody>
@@ -3619,7 +3566,7 @@
           <p:cNvPr id="2" name="Content Placeholder 3">
             <a:extLst>
               <a:ext uri="{FF2B5EF4-FFF2-40B4-BE49-F238E27FC236}">
-                <a16:creationId xmlns:a16="http://schemas.microsoft.com/office/drawing/2014/main" id="{63AD9832-46B9-4EC0-ADD3-0588E72CD904}"/>
+                <a16:creationId xmlns:a16="http://schemas.microsoft.com/office/drawing/2014/main" xmlns="" id="{63AD9832-46B9-4EC0-ADD3-0588E72CD904}"/>
               </a:ext>
             </a:extLst>
           </p:cNvPr>
@@ -3648,21 +3595,21 @@
                 <a:gridCol w="4132278">
                   <a:extLst>
                     <a:ext uri="{9D8B030D-6E8A-4147-A177-3AD203B41FA5}">
-                      <a16:colId xmlns:a16="http://schemas.microsoft.com/office/drawing/2014/main" val="231172287"/>
+                      <a16:colId xmlns:a16="http://schemas.microsoft.com/office/drawing/2014/main" xmlns="" val="231172287"/>
                     </a:ext>
                   </a:extLst>
                 </a:gridCol>
                 <a:gridCol w="683805">
                   <a:extLst>
                     <a:ext uri="{9D8B030D-6E8A-4147-A177-3AD203B41FA5}">
-                      <a16:colId xmlns:a16="http://schemas.microsoft.com/office/drawing/2014/main" val="189064528"/>
+                      <a16:colId xmlns:a16="http://schemas.microsoft.com/office/drawing/2014/main" xmlns="" val="189064528"/>
                     </a:ext>
                   </a:extLst>
                 </a:gridCol>
                 <a:gridCol w="1567863">
                   <a:extLst>
                     <a:ext uri="{9D8B030D-6E8A-4147-A177-3AD203B41FA5}">
-                      <a16:colId xmlns:a16="http://schemas.microsoft.com/office/drawing/2014/main" val="4116586635"/>
+                      <a16:colId xmlns:a16="http://schemas.microsoft.com/office/drawing/2014/main" xmlns="" val="4116586635"/>
                     </a:ext>
                   </a:extLst>
                 </a:gridCol>
@@ -3742,7 +3689,7 @@
                 </a:tc>
                 <a:extLst>
                   <a:ext uri="{0D108BD9-81ED-4DB2-BD59-A6C34878D82A}">
-                    <a16:rowId xmlns:a16="http://schemas.microsoft.com/office/drawing/2014/main" val="3734856873"/>
+                    <a16:rowId xmlns:a16="http://schemas.microsoft.com/office/drawing/2014/main" xmlns="" val="3734856873"/>
                   </a:ext>
                 </a:extLst>
               </a:tr>
@@ -3821,7 +3768,7 @@
                 </a:tc>
                 <a:extLst>
                   <a:ext uri="{0D108BD9-81ED-4DB2-BD59-A6C34878D82A}">
-                    <a16:rowId xmlns:a16="http://schemas.microsoft.com/office/drawing/2014/main" val="3895712209"/>
+                    <a16:rowId xmlns:a16="http://schemas.microsoft.com/office/drawing/2014/main" xmlns="" val="3895712209"/>
                   </a:ext>
                 </a:extLst>
               </a:tr>
@@ -3900,7 +3847,7 @@
                 </a:tc>
                 <a:extLst>
                   <a:ext uri="{0D108BD9-81ED-4DB2-BD59-A6C34878D82A}">
-                    <a16:rowId xmlns:a16="http://schemas.microsoft.com/office/drawing/2014/main" val="568906677"/>
+                    <a16:rowId xmlns:a16="http://schemas.microsoft.com/office/drawing/2014/main" xmlns="" val="568906677"/>
                   </a:ext>
                 </a:extLst>
               </a:tr>
@@ -3979,7 +3926,7 @@
                 </a:tc>
                 <a:extLst>
                   <a:ext uri="{0D108BD9-81ED-4DB2-BD59-A6C34878D82A}">
-                    <a16:rowId xmlns:a16="http://schemas.microsoft.com/office/drawing/2014/main" val="1209182584"/>
+                    <a16:rowId xmlns:a16="http://schemas.microsoft.com/office/drawing/2014/main" xmlns="" val="1209182584"/>
                   </a:ext>
                 </a:extLst>
               </a:tr>
@@ -4058,7 +4005,7 @@
                 </a:tc>
                 <a:extLst>
                   <a:ext uri="{0D108BD9-81ED-4DB2-BD59-A6C34878D82A}">
-                    <a16:rowId xmlns:a16="http://schemas.microsoft.com/office/drawing/2014/main" val="1281949479"/>
+                    <a16:rowId xmlns:a16="http://schemas.microsoft.com/office/drawing/2014/main" xmlns="" val="1281949479"/>
                   </a:ext>
                 </a:extLst>
               </a:tr>
@@ -4137,7 +4084,7 @@
                 </a:tc>
                 <a:extLst>
                   <a:ext uri="{0D108BD9-81ED-4DB2-BD59-A6C34878D82A}">
-                    <a16:rowId xmlns:a16="http://schemas.microsoft.com/office/drawing/2014/main" val="2244011021"/>
+                    <a16:rowId xmlns:a16="http://schemas.microsoft.com/office/drawing/2014/main" xmlns="" val="2244011021"/>
                   </a:ext>
                 </a:extLst>
               </a:tr>
@@ -4216,7 +4163,7 @@
                 </a:tc>
                 <a:extLst>
                   <a:ext uri="{0D108BD9-81ED-4DB2-BD59-A6C34878D82A}">
-                    <a16:rowId xmlns:a16="http://schemas.microsoft.com/office/drawing/2014/main" val="3723927946"/>
+                    <a16:rowId xmlns:a16="http://schemas.microsoft.com/office/drawing/2014/main" xmlns="" val="3723927946"/>
                   </a:ext>
                 </a:extLst>
               </a:tr>
@@ -4229,7 +4176,7 @@
           <p:cNvPr id="3" name="TextBox 2">
             <a:extLst>
               <a:ext uri="{FF2B5EF4-FFF2-40B4-BE49-F238E27FC236}">
-                <a16:creationId xmlns:a16="http://schemas.microsoft.com/office/drawing/2014/main" id="{97431497-5B7D-41E9-9093-200547117A0B}"/>
+                <a16:creationId xmlns:a16="http://schemas.microsoft.com/office/drawing/2014/main" xmlns="" id="{97431497-5B7D-41E9-9093-200547117A0B}"/>
               </a:ext>
             </a:extLst>
           </p:cNvPr>
@@ -4297,7 +4244,7 @@
           <p:cNvPr id="4" name="TextBox 3">
             <a:extLst>
               <a:ext uri="{FF2B5EF4-FFF2-40B4-BE49-F238E27FC236}">
-                <a16:creationId xmlns:a16="http://schemas.microsoft.com/office/drawing/2014/main" id="{43B7ECDA-4062-4820-8EFD-4962F404CBC7}"/>
+                <a16:creationId xmlns:a16="http://schemas.microsoft.com/office/drawing/2014/main" xmlns="" id="{43B7ECDA-4062-4820-8EFD-4962F404CBC7}"/>
               </a:ext>
             </a:extLst>
           </p:cNvPr>
@@ -4435,7 +4382,7 @@
           <p:cNvPr id="5" name="TextBox 4">
             <a:extLst>
               <a:ext uri="{FF2B5EF4-FFF2-40B4-BE49-F238E27FC236}">
-                <a16:creationId xmlns:a16="http://schemas.microsoft.com/office/drawing/2014/main" id="{0795F316-643B-49D6-A5DB-D539BCE04E6D}"/>
+                <a16:creationId xmlns:a16="http://schemas.microsoft.com/office/drawing/2014/main" xmlns="" id="{0795F316-643B-49D6-A5DB-D539BCE04E6D}"/>
               </a:ext>
             </a:extLst>
           </p:cNvPr>
@@ -4513,7 +4460,7 @@
           <p:cNvPr id="2" name="Content Placeholder 3">
             <a:extLst>
               <a:ext uri="{FF2B5EF4-FFF2-40B4-BE49-F238E27FC236}">
-                <a16:creationId xmlns:a16="http://schemas.microsoft.com/office/drawing/2014/main" id="{17BA0D39-7A08-496F-A7A2-55B93E262DE9}"/>
+                <a16:creationId xmlns:a16="http://schemas.microsoft.com/office/drawing/2014/main" xmlns="" id="{17BA0D39-7A08-496F-A7A2-55B93E262DE9}"/>
               </a:ext>
             </a:extLst>
           </p:cNvPr>
@@ -4542,21 +4489,21 @@
                 <a:gridCol w="5078158">
                   <a:extLst>
                     <a:ext uri="{9D8B030D-6E8A-4147-A177-3AD203B41FA5}">
-                      <a16:colId xmlns:a16="http://schemas.microsoft.com/office/drawing/2014/main" val="2436472759"/>
+                      <a16:colId xmlns:a16="http://schemas.microsoft.com/office/drawing/2014/main" xmlns="" val="2436472759"/>
                     </a:ext>
                   </a:extLst>
                 </a:gridCol>
                 <a:gridCol w="559797">
                   <a:extLst>
                     <a:ext uri="{9D8B030D-6E8A-4147-A177-3AD203B41FA5}">
-                      <a16:colId xmlns:a16="http://schemas.microsoft.com/office/drawing/2014/main" val="15769799"/>
+                      <a16:colId xmlns:a16="http://schemas.microsoft.com/office/drawing/2014/main" xmlns="" val="15769799"/>
                     </a:ext>
                   </a:extLst>
                 </a:gridCol>
                 <a:gridCol w="639767">
                   <a:extLst>
                     <a:ext uri="{9D8B030D-6E8A-4147-A177-3AD203B41FA5}">
-                      <a16:colId xmlns:a16="http://schemas.microsoft.com/office/drawing/2014/main" val="1026393437"/>
+                      <a16:colId xmlns:a16="http://schemas.microsoft.com/office/drawing/2014/main" xmlns="" val="1026393437"/>
                     </a:ext>
                   </a:extLst>
                 </a:gridCol>
@@ -4636,7 +4583,7 @@
                 </a:tc>
                 <a:extLst>
                   <a:ext uri="{0D108BD9-81ED-4DB2-BD59-A6C34878D82A}">
-                    <a16:rowId xmlns:a16="http://schemas.microsoft.com/office/drawing/2014/main" val="2648234478"/>
+                    <a16:rowId xmlns:a16="http://schemas.microsoft.com/office/drawing/2014/main" xmlns="" val="2648234478"/>
                   </a:ext>
                 </a:extLst>
               </a:tr>
@@ -4715,7 +4662,7 @@
                 </a:tc>
                 <a:extLst>
                   <a:ext uri="{0D108BD9-81ED-4DB2-BD59-A6C34878D82A}">
-                    <a16:rowId xmlns:a16="http://schemas.microsoft.com/office/drawing/2014/main" val="1481351485"/>
+                    <a16:rowId xmlns:a16="http://schemas.microsoft.com/office/drawing/2014/main" xmlns="" val="1481351485"/>
                   </a:ext>
                 </a:extLst>
               </a:tr>
@@ -4794,7 +4741,7 @@
                 </a:tc>
                 <a:extLst>
                   <a:ext uri="{0D108BD9-81ED-4DB2-BD59-A6C34878D82A}">
-                    <a16:rowId xmlns:a16="http://schemas.microsoft.com/office/drawing/2014/main" val="155853306"/>
+                    <a16:rowId xmlns:a16="http://schemas.microsoft.com/office/drawing/2014/main" xmlns="" val="155853306"/>
                   </a:ext>
                 </a:extLst>
               </a:tr>
@@ -4873,7 +4820,7 @@
                 </a:tc>
                 <a:extLst>
                   <a:ext uri="{0D108BD9-81ED-4DB2-BD59-A6C34878D82A}">
-                    <a16:rowId xmlns:a16="http://schemas.microsoft.com/office/drawing/2014/main" val="1882513042"/>
+                    <a16:rowId xmlns:a16="http://schemas.microsoft.com/office/drawing/2014/main" xmlns="" val="1882513042"/>
                   </a:ext>
                 </a:extLst>
               </a:tr>
@@ -4952,7 +4899,7 @@
                 </a:tc>
                 <a:extLst>
                   <a:ext uri="{0D108BD9-81ED-4DB2-BD59-A6C34878D82A}">
-                    <a16:rowId xmlns:a16="http://schemas.microsoft.com/office/drawing/2014/main" val="3361518180"/>
+                    <a16:rowId xmlns:a16="http://schemas.microsoft.com/office/drawing/2014/main" xmlns="" val="3361518180"/>
                   </a:ext>
                 </a:extLst>
               </a:tr>
@@ -5031,7 +4978,7 @@
                 </a:tc>
                 <a:extLst>
                   <a:ext uri="{0D108BD9-81ED-4DB2-BD59-A6C34878D82A}">
-                    <a16:rowId xmlns:a16="http://schemas.microsoft.com/office/drawing/2014/main" val="128319039"/>
+                    <a16:rowId xmlns:a16="http://schemas.microsoft.com/office/drawing/2014/main" xmlns="" val="128319039"/>
                   </a:ext>
                 </a:extLst>
               </a:tr>
@@ -5110,7 +5057,7 @@
                 </a:tc>
                 <a:extLst>
                   <a:ext uri="{0D108BD9-81ED-4DB2-BD59-A6C34878D82A}">
-                    <a16:rowId xmlns:a16="http://schemas.microsoft.com/office/drawing/2014/main" val="1928540209"/>
+                    <a16:rowId xmlns:a16="http://schemas.microsoft.com/office/drawing/2014/main" xmlns="" val="1928540209"/>
                   </a:ext>
                 </a:extLst>
               </a:tr>
@@ -5123,7 +5070,7 @@
           <p:cNvPr id="3" name="TextBox 2">
             <a:extLst>
               <a:ext uri="{FF2B5EF4-FFF2-40B4-BE49-F238E27FC236}">
-                <a16:creationId xmlns:a16="http://schemas.microsoft.com/office/drawing/2014/main" id="{393B6AFC-34AD-4357-AC08-785D86671BF2}"/>
+                <a16:creationId xmlns:a16="http://schemas.microsoft.com/office/drawing/2014/main" xmlns="" id="{393B6AFC-34AD-4357-AC08-785D86671BF2}"/>
               </a:ext>
             </a:extLst>
           </p:cNvPr>
@@ -5191,7 +5138,7 @@
           <p:cNvPr id="4" name="TextBox 3">
             <a:extLst>
               <a:ext uri="{FF2B5EF4-FFF2-40B4-BE49-F238E27FC236}">
-                <a16:creationId xmlns:a16="http://schemas.microsoft.com/office/drawing/2014/main" id="{F516BD25-2DFA-4DCC-9FD3-AC24BF069061}"/>
+                <a16:creationId xmlns:a16="http://schemas.microsoft.com/office/drawing/2014/main" xmlns="" id="{F516BD25-2DFA-4DCC-9FD3-AC24BF069061}"/>
               </a:ext>
             </a:extLst>
           </p:cNvPr>
@@ -5239,7 +5186,7 @@
           <p:cNvPr id="5" name="TextBox 4">
             <a:extLst>
               <a:ext uri="{FF2B5EF4-FFF2-40B4-BE49-F238E27FC236}">
-                <a16:creationId xmlns:a16="http://schemas.microsoft.com/office/drawing/2014/main" id="{9A72B14E-0281-4A84-9ADB-90DA4769AB39}"/>
+                <a16:creationId xmlns:a16="http://schemas.microsoft.com/office/drawing/2014/main" xmlns="" id="{9A72B14E-0281-4A84-9ADB-90DA4769AB39}"/>
               </a:ext>
             </a:extLst>
           </p:cNvPr>
@@ -5364,7 +5311,7 @@
           <p:cNvPr id="2" name="Rectangle 1">
             <a:extLst>
               <a:ext uri="{FF2B5EF4-FFF2-40B4-BE49-F238E27FC236}">
-                <a16:creationId xmlns:a16="http://schemas.microsoft.com/office/drawing/2014/main" id="{22D704E7-0C6D-460D-A47B-159FBE5D11CA}"/>
+                <a16:creationId xmlns:a16="http://schemas.microsoft.com/office/drawing/2014/main" xmlns="" id="{22D704E7-0C6D-460D-A47B-159FBE5D11CA}"/>
               </a:ext>
             </a:extLst>
           </p:cNvPr>
@@ -5416,7 +5363,7 @@
           <p:cNvPr id="4" name="TextBox 3">
             <a:extLst>
               <a:ext uri="{FF2B5EF4-FFF2-40B4-BE49-F238E27FC236}">
-                <a16:creationId xmlns:a16="http://schemas.microsoft.com/office/drawing/2014/main" id="{8E89474F-C70A-427D-92ED-EEC1D10448E3}"/>
+                <a16:creationId xmlns:a16="http://schemas.microsoft.com/office/drawing/2014/main" xmlns="" id="{8E89474F-C70A-427D-92ED-EEC1D10448E3}"/>
               </a:ext>
             </a:extLst>
           </p:cNvPr>
@@ -5509,7 +5456,7 @@
           <p:cNvPr id="4" name="Picture 3">
             <a:extLst>
               <a:ext uri="{FF2B5EF4-FFF2-40B4-BE49-F238E27FC236}">
-                <a16:creationId xmlns:a16="http://schemas.microsoft.com/office/drawing/2014/main" id="{6009CDB1-9518-4EE6-8DE7-9CBF46521E97}"/>
+                <a16:creationId xmlns:a16="http://schemas.microsoft.com/office/drawing/2014/main" xmlns="" id="{6009CDB1-9518-4EE6-8DE7-9CBF46521E97}"/>
               </a:ext>
             </a:extLst>
           </p:cNvPr>
@@ -5555,7 +5502,7 @@
           <p:cNvPr id="6" name="Picture 5">
             <a:extLst>
               <a:ext uri="{FF2B5EF4-FFF2-40B4-BE49-F238E27FC236}">
-                <a16:creationId xmlns:a16="http://schemas.microsoft.com/office/drawing/2014/main" id="{EB92B936-A381-4A24-A55D-61C47E31C1F4}"/>
+                <a16:creationId xmlns:a16="http://schemas.microsoft.com/office/drawing/2014/main" xmlns="" id="{EB92B936-A381-4A24-A55D-61C47E31C1F4}"/>
               </a:ext>
             </a:extLst>
           </p:cNvPr>
@@ -5601,7 +5548,7 @@
           <p:cNvPr id="7" name="TextBox 6">
             <a:extLst>
               <a:ext uri="{FF2B5EF4-FFF2-40B4-BE49-F238E27FC236}">
-                <a16:creationId xmlns:a16="http://schemas.microsoft.com/office/drawing/2014/main" id="{19C2FA97-3C2B-4413-931F-6F470A67B171}"/>
+                <a16:creationId xmlns:a16="http://schemas.microsoft.com/office/drawing/2014/main" xmlns="" id="{19C2FA97-3C2B-4413-931F-6F470A67B171}"/>
               </a:ext>
             </a:extLst>
           </p:cNvPr>
@@ -5664,7 +5611,7 @@
           <p:cNvPr id="8" name="Group 7">
             <a:extLst>
               <a:ext uri="{FF2B5EF4-FFF2-40B4-BE49-F238E27FC236}">
-                <a16:creationId xmlns:a16="http://schemas.microsoft.com/office/drawing/2014/main" id="{93D152DD-60C5-4D53-9E38-4AFFF02A4EED}"/>
+                <a16:creationId xmlns:a16="http://schemas.microsoft.com/office/drawing/2014/main" xmlns="" id="{93D152DD-60C5-4D53-9E38-4AFFF02A4EED}"/>
               </a:ext>
             </a:extLst>
           </p:cNvPr>
@@ -5684,7 +5631,7 @@
             <p:cNvPr id="9" name="Rectangle 8">
               <a:extLst>
                 <a:ext uri="{FF2B5EF4-FFF2-40B4-BE49-F238E27FC236}">
-                  <a16:creationId xmlns:a16="http://schemas.microsoft.com/office/drawing/2014/main" id="{AF0B44B8-7A02-42EF-AE8B-3A08E9F23172}"/>
+                  <a16:creationId xmlns:a16="http://schemas.microsoft.com/office/drawing/2014/main" xmlns="" id="{AF0B44B8-7A02-42EF-AE8B-3A08E9F23172}"/>
                 </a:ext>
               </a:extLst>
             </p:cNvPr>
@@ -5736,7 +5683,7 @@
             <p:cNvPr id="10" name="TextBox 9">
               <a:extLst>
                 <a:ext uri="{FF2B5EF4-FFF2-40B4-BE49-F238E27FC236}">
-                  <a16:creationId xmlns:a16="http://schemas.microsoft.com/office/drawing/2014/main" id="{89173472-A3C4-4868-8D86-09F1B625900B}"/>
+                  <a16:creationId xmlns:a16="http://schemas.microsoft.com/office/drawing/2014/main" xmlns="" id="{89173472-A3C4-4868-8D86-09F1B625900B}"/>
                 </a:ext>
               </a:extLst>
             </p:cNvPr>
@@ -5850,7 +5797,7 @@
           <p:cNvPr id="3" name="Picture 2" descr="A screenshot of a cell phone&#10;&#10;Description automatically generated">
             <a:extLst>
               <a:ext uri="{FF2B5EF4-FFF2-40B4-BE49-F238E27FC236}">
-                <a16:creationId xmlns:a16="http://schemas.microsoft.com/office/drawing/2014/main" id="{9300CDF6-2461-4A71-A568-A637452D7012}"/>
+                <a16:creationId xmlns:a16="http://schemas.microsoft.com/office/drawing/2014/main" xmlns="" id="{9300CDF6-2461-4A71-A568-A637452D7012}"/>
               </a:ext>
             </a:extLst>
           </p:cNvPr>
@@ -5886,7 +5833,7 @@
           <p:cNvPr id="11" name="TextBox 10">
             <a:extLst>
               <a:ext uri="{FF2B5EF4-FFF2-40B4-BE49-F238E27FC236}">
-                <a16:creationId xmlns:a16="http://schemas.microsoft.com/office/drawing/2014/main" id="{E24E50BB-AEA3-45A4-BEDB-3DA307E2EE37}"/>
+                <a16:creationId xmlns:a16="http://schemas.microsoft.com/office/drawing/2014/main" xmlns="" id="{E24E50BB-AEA3-45A4-BEDB-3DA307E2EE37}"/>
               </a:ext>
             </a:extLst>
           </p:cNvPr>
@@ -5948,7 +5895,7 @@
           <p:cNvPr id="4" name="Group 3">
             <a:extLst>
               <a:ext uri="{FF2B5EF4-FFF2-40B4-BE49-F238E27FC236}">
-                <a16:creationId xmlns:a16="http://schemas.microsoft.com/office/drawing/2014/main" id="{A53AA2FE-FD79-4A3D-8334-38AEF4AB4691}"/>
+                <a16:creationId xmlns:a16="http://schemas.microsoft.com/office/drawing/2014/main" xmlns="" id="{A53AA2FE-FD79-4A3D-8334-38AEF4AB4691}"/>
               </a:ext>
             </a:extLst>
           </p:cNvPr>
@@ -5968,7 +5915,7 @@
             <p:cNvPr id="9" name="Rectangle 8">
               <a:extLst>
                 <a:ext uri="{FF2B5EF4-FFF2-40B4-BE49-F238E27FC236}">
-                  <a16:creationId xmlns:a16="http://schemas.microsoft.com/office/drawing/2014/main" id="{3FBDFEB5-B902-4D58-9FD3-EEA22E1829A8}"/>
+                  <a16:creationId xmlns:a16="http://schemas.microsoft.com/office/drawing/2014/main" xmlns="" id="{3FBDFEB5-B902-4D58-9FD3-EEA22E1829A8}"/>
                 </a:ext>
               </a:extLst>
             </p:cNvPr>
@@ -6020,7 +5967,7 @@
             <p:cNvPr id="14" name="TextBox 13">
               <a:extLst>
                 <a:ext uri="{FF2B5EF4-FFF2-40B4-BE49-F238E27FC236}">
-                  <a16:creationId xmlns:a16="http://schemas.microsoft.com/office/drawing/2014/main" id="{32790A3B-55F8-4EAD-ADC7-AC5A856B6807}"/>
+                  <a16:creationId xmlns:a16="http://schemas.microsoft.com/office/drawing/2014/main" xmlns="" id="{32790A3B-55F8-4EAD-ADC7-AC5A856B6807}"/>
                 </a:ext>
               </a:extLst>
             </p:cNvPr>
@@ -6132,7 +6079,7 @@
           <p:cNvPr id="3" name="Picture 2" descr="A close up of a map&#10;&#10;Description automatically generated">
             <a:extLst>
               <a:ext uri="{FF2B5EF4-FFF2-40B4-BE49-F238E27FC236}">
-                <a16:creationId xmlns:a16="http://schemas.microsoft.com/office/drawing/2014/main" id="{E761EACF-A311-42BF-B8A9-94202FF76EC2}"/>
+                <a16:creationId xmlns:a16="http://schemas.microsoft.com/office/drawing/2014/main" xmlns="" id="{E761EACF-A311-42BF-B8A9-94202FF76EC2}"/>
               </a:ext>
             </a:extLst>
           </p:cNvPr>
@@ -6168,7 +6115,7 @@
           <p:cNvPr id="9" name="TextBox 8">
             <a:extLst>
               <a:ext uri="{FF2B5EF4-FFF2-40B4-BE49-F238E27FC236}">
-                <a16:creationId xmlns:a16="http://schemas.microsoft.com/office/drawing/2014/main" id="{C53A4C0E-371C-43CC-835F-A893AF95418B}"/>
+                <a16:creationId xmlns:a16="http://schemas.microsoft.com/office/drawing/2014/main" xmlns="" id="{C53A4C0E-371C-43CC-835F-A893AF95418B}"/>
               </a:ext>
             </a:extLst>
           </p:cNvPr>
@@ -6231,7 +6178,7 @@
           <p:cNvPr id="13" name="Group 12">
             <a:extLst>
               <a:ext uri="{FF2B5EF4-FFF2-40B4-BE49-F238E27FC236}">
-                <a16:creationId xmlns:a16="http://schemas.microsoft.com/office/drawing/2014/main" id="{04A7D8BD-5F2A-4E73-A419-11CBCD7B0BE0}"/>
+                <a16:creationId xmlns:a16="http://schemas.microsoft.com/office/drawing/2014/main" xmlns="" id="{04A7D8BD-5F2A-4E73-A419-11CBCD7B0BE0}"/>
               </a:ext>
             </a:extLst>
           </p:cNvPr>
@@ -6251,7 +6198,7 @@
             <p:cNvPr id="14" name="Rectangle 13">
               <a:extLst>
                 <a:ext uri="{FF2B5EF4-FFF2-40B4-BE49-F238E27FC236}">
-                  <a16:creationId xmlns:a16="http://schemas.microsoft.com/office/drawing/2014/main" id="{0B94BE4A-FF8E-4A61-81DB-B91D7E269D0F}"/>
+                  <a16:creationId xmlns:a16="http://schemas.microsoft.com/office/drawing/2014/main" xmlns="" id="{0B94BE4A-FF8E-4A61-81DB-B91D7E269D0F}"/>
                 </a:ext>
               </a:extLst>
             </p:cNvPr>
@@ -6303,7 +6250,7 @@
             <p:cNvPr id="15" name="TextBox 14">
               <a:extLst>
                 <a:ext uri="{FF2B5EF4-FFF2-40B4-BE49-F238E27FC236}">
-                  <a16:creationId xmlns:a16="http://schemas.microsoft.com/office/drawing/2014/main" id="{ED1F4383-4FD1-44D6-B0F5-1721BB89A8BB}"/>
+                  <a16:creationId xmlns:a16="http://schemas.microsoft.com/office/drawing/2014/main" xmlns="" id="{ED1F4383-4FD1-44D6-B0F5-1721BB89A8BB}"/>
                 </a:ext>
               </a:extLst>
             </p:cNvPr>
@@ -6417,7 +6364,7 @@
           <p:cNvPr id="3074" name="Picture 2">
             <a:extLst>
               <a:ext uri="{FF2B5EF4-FFF2-40B4-BE49-F238E27FC236}">
-                <a16:creationId xmlns:a16="http://schemas.microsoft.com/office/drawing/2014/main" id="{42906549-4A59-4CEF-BC3E-992EA22EADD1}"/>
+                <a16:creationId xmlns:a16="http://schemas.microsoft.com/office/drawing/2014/main" xmlns="" id="{42906549-4A59-4CEF-BC3E-992EA22EADD1}"/>
               </a:ext>
             </a:extLst>
           </p:cNvPr>
@@ -6464,7 +6411,7 @@
           <p:cNvPr id="3" name="TextBox 2">
             <a:extLst>
               <a:ext uri="{FF2B5EF4-FFF2-40B4-BE49-F238E27FC236}">
-                <a16:creationId xmlns:a16="http://schemas.microsoft.com/office/drawing/2014/main" id="{48521EB1-491B-43ED-B904-7CE018136B56}"/>
+                <a16:creationId xmlns:a16="http://schemas.microsoft.com/office/drawing/2014/main" xmlns="" id="{48521EB1-491B-43ED-B904-7CE018136B56}"/>
               </a:ext>
             </a:extLst>
           </p:cNvPr>
@@ -6527,7 +6474,7 @@
           <p:cNvPr id="4" name="Group 3">
             <a:extLst>
               <a:ext uri="{FF2B5EF4-FFF2-40B4-BE49-F238E27FC236}">
-                <a16:creationId xmlns:a16="http://schemas.microsoft.com/office/drawing/2014/main" id="{B6A17097-423B-4AD4-893D-108D180EAD9F}"/>
+                <a16:creationId xmlns:a16="http://schemas.microsoft.com/office/drawing/2014/main" xmlns="" id="{B6A17097-423B-4AD4-893D-108D180EAD9F}"/>
               </a:ext>
             </a:extLst>
           </p:cNvPr>
@@ -6547,7 +6494,7 @@
             <p:cNvPr id="5" name="Rectangle 4">
               <a:extLst>
                 <a:ext uri="{FF2B5EF4-FFF2-40B4-BE49-F238E27FC236}">
-                  <a16:creationId xmlns:a16="http://schemas.microsoft.com/office/drawing/2014/main" id="{9132A9DD-E2D9-4FCF-927C-EB7C1B381463}"/>
+                  <a16:creationId xmlns:a16="http://schemas.microsoft.com/office/drawing/2014/main" xmlns="" id="{9132A9DD-E2D9-4FCF-927C-EB7C1B381463}"/>
                 </a:ext>
               </a:extLst>
             </p:cNvPr>
@@ -6599,7 +6546,7 @@
             <p:cNvPr id="6" name="TextBox 5">
               <a:extLst>
                 <a:ext uri="{FF2B5EF4-FFF2-40B4-BE49-F238E27FC236}">
-                  <a16:creationId xmlns:a16="http://schemas.microsoft.com/office/drawing/2014/main" id="{5866BADE-9D55-4978-B293-31786EB3DF7E}"/>
+                  <a16:creationId xmlns:a16="http://schemas.microsoft.com/office/drawing/2014/main" xmlns="" id="{5866BADE-9D55-4978-B293-31786EB3DF7E}"/>
                 </a:ext>
               </a:extLst>
             </p:cNvPr>
@@ -6678,7 +6625,7 @@
           <p:cNvPr id="2" name="Rectangle 1">
             <a:extLst>
               <a:ext uri="{FF2B5EF4-FFF2-40B4-BE49-F238E27FC236}">
-                <a16:creationId xmlns:a16="http://schemas.microsoft.com/office/drawing/2014/main" id="{EFF6ECE5-595E-4C87-8B1D-77C3DCCAA7FA}"/>
+                <a16:creationId xmlns:a16="http://schemas.microsoft.com/office/drawing/2014/main" xmlns="" id="{EFF6ECE5-595E-4C87-8B1D-77C3DCCAA7FA}"/>
               </a:ext>
             </a:extLst>
           </p:cNvPr>
@@ -6772,7 +6719,7 @@
           <p:cNvPr id="4" name="Group 3">
             <a:extLst>
               <a:ext uri="{FF2B5EF4-FFF2-40B4-BE49-F238E27FC236}">
-                <a16:creationId xmlns:a16="http://schemas.microsoft.com/office/drawing/2014/main" id="{C4167E7F-6838-492A-8E0B-1E6F469D11D5}"/>
+                <a16:creationId xmlns:a16="http://schemas.microsoft.com/office/drawing/2014/main" xmlns="" id="{C4167E7F-6838-492A-8E0B-1E6F469D11D5}"/>
               </a:ext>
             </a:extLst>
           </p:cNvPr>
@@ -6792,7 +6739,7 @@
             <p:cNvPr id="5" name="Rectangle 4">
               <a:extLst>
                 <a:ext uri="{FF2B5EF4-FFF2-40B4-BE49-F238E27FC236}">
-                  <a16:creationId xmlns:a16="http://schemas.microsoft.com/office/drawing/2014/main" id="{DC9551C8-7BC9-4EA6-B63D-171AF1AF1FB5}"/>
+                  <a16:creationId xmlns:a16="http://schemas.microsoft.com/office/drawing/2014/main" xmlns="" id="{DC9551C8-7BC9-4EA6-B63D-171AF1AF1FB5}"/>
                 </a:ext>
               </a:extLst>
             </p:cNvPr>
@@ -6844,7 +6791,7 @@
             <p:cNvPr id="6" name="TextBox 5">
               <a:extLst>
                 <a:ext uri="{FF2B5EF4-FFF2-40B4-BE49-F238E27FC236}">
-                  <a16:creationId xmlns:a16="http://schemas.microsoft.com/office/drawing/2014/main" id="{6DF3ECE8-EE72-4C20-96D4-0996258CF0F9}"/>
+                  <a16:creationId xmlns:a16="http://schemas.microsoft.com/office/drawing/2014/main" xmlns="" id="{6DF3ECE8-EE72-4C20-96D4-0996258CF0F9}"/>
                 </a:ext>
               </a:extLst>
             </p:cNvPr>
@@ -6899,7 +6846,7 @@
           <p:cNvPr id="8" name="Picture 7">
             <a:extLst>
               <a:ext uri="{FF2B5EF4-FFF2-40B4-BE49-F238E27FC236}">
-                <a16:creationId xmlns:a16="http://schemas.microsoft.com/office/drawing/2014/main" id="{CE6AE014-E6E1-4DDD-B725-33630A6543F4}"/>
+                <a16:creationId xmlns:a16="http://schemas.microsoft.com/office/drawing/2014/main" xmlns="" id="{CE6AE014-E6E1-4DDD-B725-33630A6543F4}"/>
               </a:ext>
             </a:extLst>
           </p:cNvPr>
@@ -6929,7 +6876,7 @@
           <p:cNvPr id="10" name="Picture 9">
             <a:extLst>
               <a:ext uri="{FF2B5EF4-FFF2-40B4-BE49-F238E27FC236}">
-                <a16:creationId xmlns:a16="http://schemas.microsoft.com/office/drawing/2014/main" id="{3D200134-F7F0-44E3-B6D7-070D74D2C791}"/>
+                <a16:creationId xmlns:a16="http://schemas.microsoft.com/office/drawing/2014/main" xmlns="" id="{3D200134-F7F0-44E3-B6D7-070D74D2C791}"/>
               </a:ext>
             </a:extLst>
           </p:cNvPr>
@@ -6989,7 +6936,7 @@
           <p:cNvPr id="2" name="Rectangle 1">
             <a:extLst>
               <a:ext uri="{FF2B5EF4-FFF2-40B4-BE49-F238E27FC236}">
-                <a16:creationId xmlns:a16="http://schemas.microsoft.com/office/drawing/2014/main" id="{22D704E7-0C6D-460D-A47B-159FBE5D11CA}"/>
+                <a16:creationId xmlns:a16="http://schemas.microsoft.com/office/drawing/2014/main" xmlns="" id="{22D704E7-0C6D-460D-A47B-159FBE5D11CA}"/>
               </a:ext>
             </a:extLst>
           </p:cNvPr>
@@ -7041,7 +6988,7 @@
           <p:cNvPr id="3" name="TextBox 2">
             <a:extLst>
               <a:ext uri="{FF2B5EF4-FFF2-40B4-BE49-F238E27FC236}">
-                <a16:creationId xmlns:a16="http://schemas.microsoft.com/office/drawing/2014/main" id="{D9C4D8BF-E8D3-4AE6-9EDA-D124ECBE589C}"/>
+                <a16:creationId xmlns:a16="http://schemas.microsoft.com/office/drawing/2014/main" xmlns="" id="{D9C4D8BF-E8D3-4AE6-9EDA-D124ECBE589C}"/>
               </a:ext>
             </a:extLst>
           </p:cNvPr>
@@ -7134,7 +7081,7 @@
           <p:cNvPr id="4" name="Picture 3" descr="A close up of a map&#10;&#10;Description automatically generated">
             <a:extLst>
               <a:ext uri="{FF2B5EF4-FFF2-40B4-BE49-F238E27FC236}">
-                <a16:creationId xmlns:a16="http://schemas.microsoft.com/office/drawing/2014/main" id="{A6769546-5223-40A2-A79F-36742E9BB62F}"/>
+                <a16:creationId xmlns:a16="http://schemas.microsoft.com/office/drawing/2014/main" xmlns="" id="{A6769546-5223-40A2-A79F-36742E9BB62F}"/>
               </a:ext>
             </a:extLst>
           </p:cNvPr>
@@ -7170,7 +7117,7 @@
           <p:cNvPr id="5" name="TextBox 4">
             <a:extLst>
               <a:ext uri="{FF2B5EF4-FFF2-40B4-BE49-F238E27FC236}">
-                <a16:creationId xmlns:a16="http://schemas.microsoft.com/office/drawing/2014/main" id="{FC3753CA-5DE1-4D5E-94BB-D94C36CB7F5F}"/>
+                <a16:creationId xmlns:a16="http://schemas.microsoft.com/office/drawing/2014/main" xmlns="" id="{FC3753CA-5DE1-4D5E-94BB-D94C36CB7F5F}"/>
               </a:ext>
             </a:extLst>
           </p:cNvPr>
@@ -7233,7 +7180,7 @@
           <p:cNvPr id="6" name="Group 5">
             <a:extLst>
               <a:ext uri="{FF2B5EF4-FFF2-40B4-BE49-F238E27FC236}">
-                <a16:creationId xmlns:a16="http://schemas.microsoft.com/office/drawing/2014/main" id="{7BA28E1F-1D05-4028-8C64-D57645DA63FB}"/>
+                <a16:creationId xmlns:a16="http://schemas.microsoft.com/office/drawing/2014/main" xmlns="" id="{7BA28E1F-1D05-4028-8C64-D57645DA63FB}"/>
               </a:ext>
             </a:extLst>
           </p:cNvPr>
@@ -7253,7 +7200,7 @@
             <p:cNvPr id="7" name="Rectangle 6">
               <a:extLst>
                 <a:ext uri="{FF2B5EF4-FFF2-40B4-BE49-F238E27FC236}">
-                  <a16:creationId xmlns:a16="http://schemas.microsoft.com/office/drawing/2014/main" id="{2FD1D7D6-674A-4EAA-84FB-8EF62C276709}"/>
+                  <a16:creationId xmlns:a16="http://schemas.microsoft.com/office/drawing/2014/main" xmlns="" id="{2FD1D7D6-674A-4EAA-84FB-8EF62C276709}"/>
                 </a:ext>
               </a:extLst>
             </p:cNvPr>
@@ -7305,7 +7252,7 @@
             <p:cNvPr id="8" name="TextBox 7">
               <a:extLst>
                 <a:ext uri="{FF2B5EF4-FFF2-40B4-BE49-F238E27FC236}">
-                  <a16:creationId xmlns:a16="http://schemas.microsoft.com/office/drawing/2014/main" id="{02081E6B-A1B6-482E-86EB-2D9E9F7E72BB}"/>
+                  <a16:creationId xmlns:a16="http://schemas.microsoft.com/office/drawing/2014/main" xmlns="" id="{02081E6B-A1B6-482E-86EB-2D9E9F7E72BB}"/>
                 </a:ext>
               </a:extLst>
             </p:cNvPr>
@@ -7354,7 +7301,7 @@
           <p:cNvPr id="3" name="Picture 2">
             <a:extLst>
               <a:ext uri="{FF2B5EF4-FFF2-40B4-BE49-F238E27FC236}">
-                <a16:creationId xmlns:a16="http://schemas.microsoft.com/office/drawing/2014/main" id="{4EF8319B-275F-455A-8FE9-53FAB86740A2}"/>
+                <a16:creationId xmlns:a16="http://schemas.microsoft.com/office/drawing/2014/main" xmlns="" id="{4EF8319B-275F-455A-8FE9-53FAB86740A2}"/>
               </a:ext>
             </a:extLst>
           </p:cNvPr>
@@ -7414,7 +7361,7 @@
           <p:cNvPr id="2" name="TextBox 1">
             <a:extLst>
               <a:ext uri="{FF2B5EF4-FFF2-40B4-BE49-F238E27FC236}">
-                <a16:creationId xmlns:a16="http://schemas.microsoft.com/office/drawing/2014/main" id="{ADCA8503-4AAF-438E-9CBE-99FF6F2E268E}"/>
+                <a16:creationId xmlns:a16="http://schemas.microsoft.com/office/drawing/2014/main" xmlns="" id="{ADCA8503-4AAF-438E-9CBE-99FF6F2E268E}"/>
               </a:ext>
             </a:extLst>
           </p:cNvPr>
@@ -7476,7 +7423,7 @@
           <p:cNvPr id="5" name="Picture 4">
             <a:extLst>
               <a:ext uri="{FF2B5EF4-FFF2-40B4-BE49-F238E27FC236}">
-                <a16:creationId xmlns:a16="http://schemas.microsoft.com/office/drawing/2014/main" id="{52168701-E597-4859-A45A-D712C328F005}"/>
+                <a16:creationId xmlns:a16="http://schemas.microsoft.com/office/drawing/2014/main" xmlns="" id="{52168701-E597-4859-A45A-D712C328F005}"/>
               </a:ext>
             </a:extLst>
           </p:cNvPr>
@@ -7506,7 +7453,7 @@
           <p:cNvPr id="9" name="Rectangle 24">
             <a:extLst>
               <a:ext uri="{FF2B5EF4-FFF2-40B4-BE49-F238E27FC236}">
-                <a16:creationId xmlns:a16="http://schemas.microsoft.com/office/drawing/2014/main" id="{E499F65A-7D54-4BE0-B4CF-4918C2DA3274}"/>
+                <a16:creationId xmlns:a16="http://schemas.microsoft.com/office/drawing/2014/main" xmlns="" id="{E499F65A-7D54-4BE0-B4CF-4918C2DA3274}"/>
               </a:ext>
             </a:extLst>
           </p:cNvPr>
@@ -7722,7 +7669,7 @@
           <p:cNvPr id="7" name="TextBox 6">
             <a:extLst>
               <a:ext uri="{FF2B5EF4-FFF2-40B4-BE49-F238E27FC236}">
-                <a16:creationId xmlns:a16="http://schemas.microsoft.com/office/drawing/2014/main" id="{D220F8A4-4808-44AC-A27A-8F4165CB51B9}"/>
+                <a16:creationId xmlns:a16="http://schemas.microsoft.com/office/drawing/2014/main" xmlns="" id="{D220F8A4-4808-44AC-A27A-8F4165CB51B9}"/>
               </a:ext>
             </a:extLst>
           </p:cNvPr>
@@ -7764,7 +7711,7 @@
           <p:cNvPr id="13" name="Rectangle 24">
             <a:extLst>
               <a:ext uri="{FF2B5EF4-FFF2-40B4-BE49-F238E27FC236}">
-                <a16:creationId xmlns:a16="http://schemas.microsoft.com/office/drawing/2014/main" id="{C39E6EF5-F1B9-4563-9F46-E008FF022218}"/>
+                <a16:creationId xmlns:a16="http://schemas.microsoft.com/office/drawing/2014/main" xmlns="" id="{C39E6EF5-F1B9-4563-9F46-E008FF022218}"/>
               </a:ext>
             </a:extLst>
           </p:cNvPr>
@@ -7980,7 +7927,7 @@
           <p:cNvPr id="14" name="TextBox 13">
             <a:extLst>
               <a:ext uri="{FF2B5EF4-FFF2-40B4-BE49-F238E27FC236}">
-                <a16:creationId xmlns:a16="http://schemas.microsoft.com/office/drawing/2014/main" id="{248A004A-4C7F-434B-BACC-03CEC08A8C1D}"/>
+                <a16:creationId xmlns:a16="http://schemas.microsoft.com/office/drawing/2014/main" xmlns="" id="{248A004A-4C7F-434B-BACC-03CEC08A8C1D}"/>
               </a:ext>
             </a:extLst>
           </p:cNvPr>
@@ -8022,7 +7969,7 @@
           <p:cNvPr id="15" name="Rectangle 24">
             <a:extLst>
               <a:ext uri="{FF2B5EF4-FFF2-40B4-BE49-F238E27FC236}">
-                <a16:creationId xmlns:a16="http://schemas.microsoft.com/office/drawing/2014/main" id="{4FCAB381-F3AC-40D2-A294-82112EF28903}"/>
+                <a16:creationId xmlns:a16="http://schemas.microsoft.com/office/drawing/2014/main" xmlns="" id="{4FCAB381-F3AC-40D2-A294-82112EF28903}"/>
               </a:ext>
             </a:extLst>
           </p:cNvPr>
@@ -8238,7 +8185,7 @@
           <p:cNvPr id="16" name="TextBox 15">
             <a:extLst>
               <a:ext uri="{FF2B5EF4-FFF2-40B4-BE49-F238E27FC236}">
-                <a16:creationId xmlns:a16="http://schemas.microsoft.com/office/drawing/2014/main" id="{63FA9317-6B50-4409-A64E-2EA3D5137761}"/>
+                <a16:creationId xmlns:a16="http://schemas.microsoft.com/office/drawing/2014/main" xmlns="" id="{63FA9317-6B50-4409-A64E-2EA3D5137761}"/>
               </a:ext>
             </a:extLst>
           </p:cNvPr>
@@ -8280,7 +8227,7 @@
           <p:cNvPr id="17" name="Rectangle 24">
             <a:extLst>
               <a:ext uri="{FF2B5EF4-FFF2-40B4-BE49-F238E27FC236}">
-                <a16:creationId xmlns:a16="http://schemas.microsoft.com/office/drawing/2014/main" id="{B23321BD-C4CD-4E27-9158-D6339103FF78}"/>
+                <a16:creationId xmlns:a16="http://schemas.microsoft.com/office/drawing/2014/main" xmlns="" id="{B23321BD-C4CD-4E27-9158-D6339103FF78}"/>
               </a:ext>
             </a:extLst>
           </p:cNvPr>
@@ -8496,7 +8443,7 @@
           <p:cNvPr id="18" name="TextBox 17">
             <a:extLst>
               <a:ext uri="{FF2B5EF4-FFF2-40B4-BE49-F238E27FC236}">
-                <a16:creationId xmlns:a16="http://schemas.microsoft.com/office/drawing/2014/main" id="{25FF6697-F03F-4CF1-83DA-E085D907AD22}"/>
+                <a16:creationId xmlns:a16="http://schemas.microsoft.com/office/drawing/2014/main" xmlns="" id="{25FF6697-F03F-4CF1-83DA-E085D907AD22}"/>
               </a:ext>
             </a:extLst>
           </p:cNvPr>
@@ -8538,7 +8485,7 @@
           <p:cNvPr id="3" name="TextBox 2">
             <a:extLst>
               <a:ext uri="{FF2B5EF4-FFF2-40B4-BE49-F238E27FC236}">
-                <a16:creationId xmlns:a16="http://schemas.microsoft.com/office/drawing/2014/main" id="{A7CE3C49-05B1-4AD5-B105-93E62B90C24C}"/>
+                <a16:creationId xmlns:a16="http://schemas.microsoft.com/office/drawing/2014/main" xmlns="" id="{A7CE3C49-05B1-4AD5-B105-93E62B90C24C}"/>
               </a:ext>
             </a:extLst>
           </p:cNvPr>
@@ -8608,7 +8555,7 @@
           <p:cNvPr id="2" name="Rectangle 1">
             <a:extLst>
               <a:ext uri="{FF2B5EF4-FFF2-40B4-BE49-F238E27FC236}">
-                <a16:creationId xmlns:a16="http://schemas.microsoft.com/office/drawing/2014/main" id="{EFF6ECE5-595E-4C87-8B1D-77C3DCCAA7FA}"/>
+                <a16:creationId xmlns:a16="http://schemas.microsoft.com/office/drawing/2014/main" xmlns="" id="{EFF6ECE5-595E-4C87-8B1D-77C3DCCAA7FA}"/>
               </a:ext>
             </a:extLst>
           </p:cNvPr>
@@ -8729,7 +8676,7 @@
           <p:cNvPr id="4" name="Group 3">
             <a:extLst>
               <a:ext uri="{FF2B5EF4-FFF2-40B4-BE49-F238E27FC236}">
-                <a16:creationId xmlns:a16="http://schemas.microsoft.com/office/drawing/2014/main" id="{C4167E7F-6838-492A-8E0B-1E6F469D11D5}"/>
+                <a16:creationId xmlns:a16="http://schemas.microsoft.com/office/drawing/2014/main" xmlns="" id="{C4167E7F-6838-492A-8E0B-1E6F469D11D5}"/>
               </a:ext>
             </a:extLst>
           </p:cNvPr>
@@ -8749,7 +8696,7 @@
             <p:cNvPr id="5" name="Rectangle 4">
               <a:extLst>
                 <a:ext uri="{FF2B5EF4-FFF2-40B4-BE49-F238E27FC236}">
-                  <a16:creationId xmlns:a16="http://schemas.microsoft.com/office/drawing/2014/main" id="{DC9551C8-7BC9-4EA6-B63D-171AF1AF1FB5}"/>
+                  <a16:creationId xmlns:a16="http://schemas.microsoft.com/office/drawing/2014/main" xmlns="" id="{DC9551C8-7BC9-4EA6-B63D-171AF1AF1FB5}"/>
                 </a:ext>
               </a:extLst>
             </p:cNvPr>
@@ -8801,7 +8748,7 @@
             <p:cNvPr id="6" name="TextBox 5">
               <a:extLst>
                 <a:ext uri="{FF2B5EF4-FFF2-40B4-BE49-F238E27FC236}">
-                  <a16:creationId xmlns:a16="http://schemas.microsoft.com/office/drawing/2014/main" id="{6DF3ECE8-EE72-4C20-96D4-0996258CF0F9}"/>
+                  <a16:creationId xmlns:a16="http://schemas.microsoft.com/office/drawing/2014/main" xmlns="" id="{6DF3ECE8-EE72-4C20-96D4-0996258CF0F9}"/>
                 </a:ext>
               </a:extLst>
             </p:cNvPr>
@@ -8886,7 +8833,7 @@
           <p:cNvPr id="2" name="Rectangle 1">
             <a:extLst>
               <a:ext uri="{FF2B5EF4-FFF2-40B4-BE49-F238E27FC236}">
-                <a16:creationId xmlns:a16="http://schemas.microsoft.com/office/drawing/2014/main" id="{22D704E7-0C6D-460D-A47B-159FBE5D11CA}"/>
+                <a16:creationId xmlns:a16="http://schemas.microsoft.com/office/drawing/2014/main" xmlns="" id="{22D704E7-0C6D-460D-A47B-159FBE5D11CA}"/>
               </a:ext>
             </a:extLst>
           </p:cNvPr>
@@ -8938,7 +8885,7 @@
           <p:cNvPr id="3" name="TextBox 2">
             <a:extLst>
               <a:ext uri="{FF2B5EF4-FFF2-40B4-BE49-F238E27FC236}">
-                <a16:creationId xmlns:a16="http://schemas.microsoft.com/office/drawing/2014/main" id="{D9C4D8BF-E8D3-4AE6-9EDA-D124ECBE589C}"/>
+                <a16:creationId xmlns:a16="http://schemas.microsoft.com/office/drawing/2014/main" xmlns="" id="{D9C4D8BF-E8D3-4AE6-9EDA-D124ECBE589C}"/>
               </a:ext>
             </a:extLst>
           </p:cNvPr>
@@ -9039,7 +8986,7 @@
           <p:cNvPr id="2054" name="Picture 6">
             <a:extLst>
               <a:ext uri="{FF2B5EF4-FFF2-40B4-BE49-F238E27FC236}">
-                <a16:creationId xmlns:a16="http://schemas.microsoft.com/office/drawing/2014/main" id="{E1A22DCE-6EB5-48DA-BA21-16DFC9EFF851}"/>
+                <a16:creationId xmlns:a16="http://schemas.microsoft.com/office/drawing/2014/main" xmlns="" id="{E1A22DCE-6EB5-48DA-BA21-16DFC9EFF851}"/>
               </a:ext>
             </a:extLst>
           </p:cNvPr>
@@ -9085,7 +9032,7 @@
           <p:cNvPr id="7" name="TextBox 6">
             <a:extLst>
               <a:ext uri="{FF2B5EF4-FFF2-40B4-BE49-F238E27FC236}">
-                <a16:creationId xmlns:a16="http://schemas.microsoft.com/office/drawing/2014/main" id="{1F233CE3-9D03-4AC9-B352-CAFC92DD72A7}"/>
+                <a16:creationId xmlns:a16="http://schemas.microsoft.com/office/drawing/2014/main" xmlns="" id="{1F233CE3-9D03-4AC9-B352-CAFC92DD72A7}"/>
               </a:ext>
             </a:extLst>
           </p:cNvPr>
@@ -9145,7 +9092,7 @@
           <p:cNvPr id="8" name="Group 7">
             <a:extLst>
               <a:ext uri="{FF2B5EF4-FFF2-40B4-BE49-F238E27FC236}">
-                <a16:creationId xmlns:a16="http://schemas.microsoft.com/office/drawing/2014/main" id="{824A1923-DE01-4E6D-B591-2E503D55FC16}"/>
+                <a16:creationId xmlns:a16="http://schemas.microsoft.com/office/drawing/2014/main" xmlns="" id="{824A1923-DE01-4E6D-B591-2E503D55FC16}"/>
               </a:ext>
             </a:extLst>
           </p:cNvPr>
@@ -9165,7 +9112,7 @@
             <p:cNvPr id="9" name="Rectangle 8">
               <a:extLst>
                 <a:ext uri="{FF2B5EF4-FFF2-40B4-BE49-F238E27FC236}">
-                  <a16:creationId xmlns:a16="http://schemas.microsoft.com/office/drawing/2014/main" id="{DCEEDA8B-7888-446C-98E2-8BAAD8877456}"/>
+                  <a16:creationId xmlns:a16="http://schemas.microsoft.com/office/drawing/2014/main" xmlns="" id="{DCEEDA8B-7888-446C-98E2-8BAAD8877456}"/>
                 </a:ext>
               </a:extLst>
             </p:cNvPr>
@@ -9217,7 +9164,7 @@
             <p:cNvPr id="10" name="TextBox 9">
               <a:extLst>
                 <a:ext uri="{FF2B5EF4-FFF2-40B4-BE49-F238E27FC236}">
-                  <a16:creationId xmlns:a16="http://schemas.microsoft.com/office/drawing/2014/main" id="{8C6746BF-17FE-4EB6-B59C-D16616DFC9A9}"/>
+                  <a16:creationId xmlns:a16="http://schemas.microsoft.com/office/drawing/2014/main" xmlns="" id="{8C6746BF-17FE-4EB6-B59C-D16616DFC9A9}"/>
                 </a:ext>
               </a:extLst>
             </p:cNvPr>
@@ -9296,7 +9243,7 @@
           <p:cNvPr id="9218" name="Picture 2">
             <a:extLst>
               <a:ext uri="{FF2B5EF4-FFF2-40B4-BE49-F238E27FC236}">
-                <a16:creationId xmlns:a16="http://schemas.microsoft.com/office/drawing/2014/main" id="{9EBCAB1A-2D56-4586-82D1-4501E61170AC}"/>
+                <a16:creationId xmlns:a16="http://schemas.microsoft.com/office/drawing/2014/main" xmlns="" id="{9EBCAB1A-2D56-4586-82D1-4501E61170AC}"/>
               </a:ext>
             </a:extLst>
           </p:cNvPr>
@@ -9343,7 +9290,7 @@
           <p:cNvPr id="2" name="Rectangle 1">
             <a:extLst>
               <a:ext uri="{FF2B5EF4-FFF2-40B4-BE49-F238E27FC236}">
-                <a16:creationId xmlns:a16="http://schemas.microsoft.com/office/drawing/2014/main" id="{172F4D20-D8F3-4CB5-ABED-35CDB19811EB}"/>
+                <a16:creationId xmlns:a16="http://schemas.microsoft.com/office/drawing/2014/main" xmlns="" id="{172F4D20-D8F3-4CB5-ABED-35CDB19811EB}"/>
               </a:ext>
             </a:extLst>
           </p:cNvPr>
@@ -9402,7 +9349,7 @@
           <p:cNvPr id="4" name="Group 3">
             <a:extLst>
               <a:ext uri="{FF2B5EF4-FFF2-40B4-BE49-F238E27FC236}">
-                <a16:creationId xmlns:a16="http://schemas.microsoft.com/office/drawing/2014/main" id="{A2C966D4-CFE3-4C8C-8E97-A1195A352C5B}"/>
+                <a16:creationId xmlns:a16="http://schemas.microsoft.com/office/drawing/2014/main" xmlns="" id="{A2C966D4-CFE3-4C8C-8E97-A1195A352C5B}"/>
               </a:ext>
             </a:extLst>
           </p:cNvPr>
@@ -9422,7 +9369,7 @@
             <p:cNvPr id="5" name="Rectangle 4">
               <a:extLst>
                 <a:ext uri="{FF2B5EF4-FFF2-40B4-BE49-F238E27FC236}">
-                  <a16:creationId xmlns:a16="http://schemas.microsoft.com/office/drawing/2014/main" id="{F0B3727C-C3FA-4D76-A733-66E5332BDDEA}"/>
+                  <a16:creationId xmlns:a16="http://schemas.microsoft.com/office/drawing/2014/main" xmlns="" id="{F0B3727C-C3FA-4D76-A733-66E5332BDDEA}"/>
                 </a:ext>
               </a:extLst>
             </p:cNvPr>
@@ -9474,7 +9421,7 @@
             <p:cNvPr id="6" name="TextBox 5">
               <a:extLst>
                 <a:ext uri="{FF2B5EF4-FFF2-40B4-BE49-F238E27FC236}">
-                  <a16:creationId xmlns:a16="http://schemas.microsoft.com/office/drawing/2014/main" id="{7834E361-E0BB-44DF-BBB9-BED6BD264A8E}"/>
+                  <a16:creationId xmlns:a16="http://schemas.microsoft.com/office/drawing/2014/main" xmlns="" id="{7834E361-E0BB-44DF-BBB9-BED6BD264A8E}"/>
                 </a:ext>
               </a:extLst>
             </p:cNvPr>
@@ -9553,7 +9500,7 @@
           <p:cNvPr id="3" name="Picture 2" descr="A close up of a map&#10;&#10;Description automatically generated">
             <a:extLst>
               <a:ext uri="{FF2B5EF4-FFF2-40B4-BE49-F238E27FC236}">
-                <a16:creationId xmlns:a16="http://schemas.microsoft.com/office/drawing/2014/main" id="{882606A5-582A-42DF-BF22-BDCD03547341}"/>
+                <a16:creationId xmlns:a16="http://schemas.microsoft.com/office/drawing/2014/main" xmlns="" id="{882606A5-582A-42DF-BF22-BDCD03547341}"/>
               </a:ext>
             </a:extLst>
           </p:cNvPr>
@@ -9589,7 +9536,7 @@
           <p:cNvPr id="4" name="TextBox 3">
             <a:extLst>
               <a:ext uri="{FF2B5EF4-FFF2-40B4-BE49-F238E27FC236}">
-                <a16:creationId xmlns:a16="http://schemas.microsoft.com/office/drawing/2014/main" id="{17B01D55-E0E2-4D89-B1BD-77C54A294ED2}"/>
+                <a16:creationId xmlns:a16="http://schemas.microsoft.com/office/drawing/2014/main" xmlns="" id="{17B01D55-E0E2-4D89-B1BD-77C54A294ED2}"/>
               </a:ext>
             </a:extLst>
           </p:cNvPr>
@@ -9652,7 +9599,7 @@
           <p:cNvPr id="5" name="Group 4">
             <a:extLst>
               <a:ext uri="{FF2B5EF4-FFF2-40B4-BE49-F238E27FC236}">
-                <a16:creationId xmlns:a16="http://schemas.microsoft.com/office/drawing/2014/main" id="{D8B10F4E-DAE5-4BD4-ACDE-83B1E3B565F8}"/>
+                <a16:creationId xmlns:a16="http://schemas.microsoft.com/office/drawing/2014/main" xmlns="" id="{D8B10F4E-DAE5-4BD4-ACDE-83B1E3B565F8}"/>
               </a:ext>
             </a:extLst>
           </p:cNvPr>
@@ -9672,7 +9619,7 @@
             <p:cNvPr id="6" name="Rectangle 5">
               <a:extLst>
                 <a:ext uri="{FF2B5EF4-FFF2-40B4-BE49-F238E27FC236}">
-                  <a16:creationId xmlns:a16="http://schemas.microsoft.com/office/drawing/2014/main" id="{ABB6231E-DB2E-49B1-9191-43397946C8FB}"/>
+                  <a16:creationId xmlns:a16="http://schemas.microsoft.com/office/drawing/2014/main" xmlns="" id="{ABB6231E-DB2E-49B1-9191-43397946C8FB}"/>
                 </a:ext>
               </a:extLst>
             </p:cNvPr>
@@ -9724,7 +9671,7 @@
             <p:cNvPr id="7" name="TextBox 6">
               <a:extLst>
                 <a:ext uri="{FF2B5EF4-FFF2-40B4-BE49-F238E27FC236}">
-                  <a16:creationId xmlns:a16="http://schemas.microsoft.com/office/drawing/2014/main" id="{5D5F5197-3A3F-42BA-AC0D-EB2AE7A7C54C}"/>
+                  <a16:creationId xmlns:a16="http://schemas.microsoft.com/office/drawing/2014/main" xmlns="" id="{5D5F5197-3A3F-42BA-AC0D-EB2AE7A7C54C}"/>
                 </a:ext>
               </a:extLst>
             </p:cNvPr>
@@ -9838,7 +9785,7 @@
           <p:cNvPr id="2" name="TextBox 1">
             <a:extLst>
               <a:ext uri="{FF2B5EF4-FFF2-40B4-BE49-F238E27FC236}">
-                <a16:creationId xmlns:a16="http://schemas.microsoft.com/office/drawing/2014/main" id="{DC22A2BE-735C-4FED-B3EF-4C081135CBA9}"/>
+                <a16:creationId xmlns:a16="http://schemas.microsoft.com/office/drawing/2014/main" xmlns="" id="{DC22A2BE-735C-4FED-B3EF-4C081135CBA9}"/>
               </a:ext>
             </a:extLst>
           </p:cNvPr>
@@ -9900,7 +9847,7 @@
           <p:cNvPr id="9" name="Group 8">
             <a:extLst>
               <a:ext uri="{FF2B5EF4-FFF2-40B4-BE49-F238E27FC236}">
-                <a16:creationId xmlns:a16="http://schemas.microsoft.com/office/drawing/2014/main" id="{5DC9D584-A767-4A5D-8048-AC353CE93E02}"/>
+                <a16:creationId xmlns:a16="http://schemas.microsoft.com/office/drawing/2014/main" xmlns="" id="{5DC9D584-A767-4A5D-8048-AC353CE93E02}"/>
               </a:ext>
             </a:extLst>
           </p:cNvPr>
@@ -9920,7 +9867,7 @@
             <p:cNvPr id="3" name="Picture 2">
               <a:extLst>
                 <a:ext uri="{FF2B5EF4-FFF2-40B4-BE49-F238E27FC236}">
-                  <a16:creationId xmlns:a16="http://schemas.microsoft.com/office/drawing/2014/main" id="{B4E36E38-9FA7-4AAC-92C0-173ED10FFC43}"/>
+                  <a16:creationId xmlns:a16="http://schemas.microsoft.com/office/drawing/2014/main" xmlns="" id="{B4E36E38-9FA7-4AAC-92C0-173ED10FFC43}"/>
                 </a:ext>
               </a:extLst>
             </p:cNvPr>
@@ -9957,7 +9904,7 @@
             <p:cNvPr id="4" name="Picture 3">
               <a:extLst>
                 <a:ext uri="{FF2B5EF4-FFF2-40B4-BE49-F238E27FC236}">
-                  <a16:creationId xmlns:a16="http://schemas.microsoft.com/office/drawing/2014/main" id="{2E49D86C-CD72-4DA0-850B-8244A76D82C8}"/>
+                  <a16:creationId xmlns:a16="http://schemas.microsoft.com/office/drawing/2014/main" xmlns="" id="{2E49D86C-CD72-4DA0-850B-8244A76D82C8}"/>
                 </a:ext>
               </a:extLst>
             </p:cNvPr>
@@ -9994,7 +9941,7 @@
             <p:cNvPr id="5" name="Picture 4">
               <a:extLst>
                 <a:ext uri="{FF2B5EF4-FFF2-40B4-BE49-F238E27FC236}">
-                  <a16:creationId xmlns:a16="http://schemas.microsoft.com/office/drawing/2014/main" id="{C262EF32-49E2-4774-ABDA-7C7A2E39BFB2}"/>
+                  <a16:creationId xmlns:a16="http://schemas.microsoft.com/office/drawing/2014/main" xmlns="" id="{C262EF32-49E2-4774-ABDA-7C7A2E39BFB2}"/>
                 </a:ext>
               </a:extLst>
             </p:cNvPr>
@@ -10031,7 +9978,7 @@
             <p:cNvPr id="6" name="Picture 5">
               <a:extLst>
                 <a:ext uri="{FF2B5EF4-FFF2-40B4-BE49-F238E27FC236}">
-                  <a16:creationId xmlns:a16="http://schemas.microsoft.com/office/drawing/2014/main" id="{1F563FA9-247A-4341-B2D7-06F0B1B03B51}"/>
+                  <a16:creationId xmlns:a16="http://schemas.microsoft.com/office/drawing/2014/main" xmlns="" id="{1F563FA9-247A-4341-B2D7-06F0B1B03B51}"/>
                 </a:ext>
               </a:extLst>
             </p:cNvPr>
@@ -10061,7 +10008,7 @@
             <p:cNvPr id="8" name="Rectangle 7">
               <a:extLst>
                 <a:ext uri="{FF2B5EF4-FFF2-40B4-BE49-F238E27FC236}">
-                  <a16:creationId xmlns:a16="http://schemas.microsoft.com/office/drawing/2014/main" id="{954025B9-49CF-4E9F-A1E3-8485D41D8B28}"/>
+                  <a16:creationId xmlns:a16="http://schemas.microsoft.com/office/drawing/2014/main" xmlns="" id="{954025B9-49CF-4E9F-A1E3-8485D41D8B28}"/>
                 </a:ext>
               </a:extLst>
             </p:cNvPr>
@@ -10144,7 +10091,7 @@
           <p:cNvPr id="16388" name="Picture 4">
             <a:extLst>
               <a:ext uri="{FF2B5EF4-FFF2-40B4-BE49-F238E27FC236}">
-                <a16:creationId xmlns:a16="http://schemas.microsoft.com/office/drawing/2014/main" id="{0314B84D-DA8C-4F24-9A0B-B40344EB0F62}"/>
+                <a16:creationId xmlns:a16="http://schemas.microsoft.com/office/drawing/2014/main" xmlns="" id="{0314B84D-DA8C-4F24-9A0B-B40344EB0F62}"/>
               </a:ext>
             </a:extLst>
           </p:cNvPr>
@@ -10191,7 +10138,7 @@
           <p:cNvPr id="3" name="TextBox 2">
             <a:extLst>
               <a:ext uri="{FF2B5EF4-FFF2-40B4-BE49-F238E27FC236}">
-                <a16:creationId xmlns:a16="http://schemas.microsoft.com/office/drawing/2014/main" id="{B0FBCF83-5937-4E5A-98E4-858D31375B71}"/>
+                <a16:creationId xmlns:a16="http://schemas.microsoft.com/office/drawing/2014/main" xmlns="" id="{B0FBCF83-5937-4E5A-98E4-858D31375B71}"/>
               </a:ext>
             </a:extLst>
           </p:cNvPr>
@@ -10253,7 +10200,7 @@
           <p:cNvPr id="4" name="Group 3">
             <a:extLst>
               <a:ext uri="{FF2B5EF4-FFF2-40B4-BE49-F238E27FC236}">
-                <a16:creationId xmlns:a16="http://schemas.microsoft.com/office/drawing/2014/main" id="{A3B079F2-1368-4DEC-86F3-EAD9930E7050}"/>
+                <a16:creationId xmlns:a16="http://schemas.microsoft.com/office/drawing/2014/main" xmlns="" id="{A3B079F2-1368-4DEC-86F3-EAD9930E7050}"/>
               </a:ext>
             </a:extLst>
           </p:cNvPr>
@@ -10273,7 +10220,7 @@
             <p:cNvPr id="5" name="Rectangle 4">
               <a:extLst>
                 <a:ext uri="{FF2B5EF4-FFF2-40B4-BE49-F238E27FC236}">
-                  <a16:creationId xmlns:a16="http://schemas.microsoft.com/office/drawing/2014/main" id="{FF2CBC15-157D-4659-ABFA-B489AA6D7244}"/>
+                  <a16:creationId xmlns:a16="http://schemas.microsoft.com/office/drawing/2014/main" xmlns="" id="{FF2CBC15-157D-4659-ABFA-B489AA6D7244}"/>
                 </a:ext>
               </a:extLst>
             </p:cNvPr>
@@ -10325,7 +10272,7 @@
             <p:cNvPr id="6" name="TextBox 5">
               <a:extLst>
                 <a:ext uri="{FF2B5EF4-FFF2-40B4-BE49-F238E27FC236}">
-                  <a16:creationId xmlns:a16="http://schemas.microsoft.com/office/drawing/2014/main" id="{7453406C-6AB8-4D44-9402-E3B397FBE1A2}"/>
+                  <a16:creationId xmlns:a16="http://schemas.microsoft.com/office/drawing/2014/main" xmlns="" id="{7453406C-6AB8-4D44-9402-E3B397FBE1A2}"/>
                 </a:ext>
               </a:extLst>
             </p:cNvPr>
@@ -10404,7 +10351,7 @@
           <p:cNvPr id="10" name="Picture 9">
             <a:extLst>
               <a:ext uri="{FF2B5EF4-FFF2-40B4-BE49-F238E27FC236}">
-                <a16:creationId xmlns:a16="http://schemas.microsoft.com/office/drawing/2014/main" id="{E43ABC29-AF81-40DE-AF0C-6E4C5B0D0209}"/>
+                <a16:creationId xmlns:a16="http://schemas.microsoft.com/office/drawing/2014/main" xmlns="" id="{E43ABC29-AF81-40DE-AF0C-6E4C5B0D0209}"/>
               </a:ext>
             </a:extLst>
           </p:cNvPr>
@@ -10433,7 +10380,7 @@
           <p:cNvPr id="13" name="Picture 12">
             <a:extLst>
               <a:ext uri="{FF2B5EF4-FFF2-40B4-BE49-F238E27FC236}">
-                <a16:creationId xmlns:a16="http://schemas.microsoft.com/office/drawing/2014/main" id="{096C3DA2-1DB2-491E-A409-60A4987F4056}"/>
+                <a16:creationId xmlns:a16="http://schemas.microsoft.com/office/drawing/2014/main" xmlns="" id="{096C3DA2-1DB2-491E-A409-60A4987F4056}"/>
               </a:ext>
             </a:extLst>
           </p:cNvPr>
@@ -10462,7 +10409,7 @@
           <p:cNvPr id="15" name="Straight Connector 14">
             <a:extLst>
               <a:ext uri="{FF2B5EF4-FFF2-40B4-BE49-F238E27FC236}">
-                <a16:creationId xmlns:a16="http://schemas.microsoft.com/office/drawing/2014/main" id="{083E0418-3240-4093-BB83-4891E1A203A0}"/>
+                <a16:creationId xmlns:a16="http://schemas.microsoft.com/office/drawing/2014/main" xmlns="" id="{083E0418-3240-4093-BB83-4891E1A203A0}"/>
               </a:ext>
             </a:extLst>
           </p:cNvPr>
@@ -10501,7 +10448,7 @@
           <p:cNvPr id="16" name="Straight Connector 15">
             <a:extLst>
               <a:ext uri="{FF2B5EF4-FFF2-40B4-BE49-F238E27FC236}">
-                <a16:creationId xmlns:a16="http://schemas.microsoft.com/office/drawing/2014/main" id="{2652CB8D-9FAF-4CC7-A1D3-ACDF87847E45}"/>
+                <a16:creationId xmlns:a16="http://schemas.microsoft.com/office/drawing/2014/main" xmlns="" id="{2652CB8D-9FAF-4CC7-A1D3-ACDF87847E45}"/>
               </a:ext>
             </a:extLst>
           </p:cNvPr>
@@ -10540,7 +10487,7 @@
           <p:cNvPr id="17" name="Straight Connector 16">
             <a:extLst>
               <a:ext uri="{FF2B5EF4-FFF2-40B4-BE49-F238E27FC236}">
-                <a16:creationId xmlns:a16="http://schemas.microsoft.com/office/drawing/2014/main" id="{BAF24A92-F588-4E87-AC01-FB3DE5ED3770}"/>
+                <a16:creationId xmlns:a16="http://schemas.microsoft.com/office/drawing/2014/main" xmlns="" id="{BAF24A92-F588-4E87-AC01-FB3DE5ED3770}"/>
               </a:ext>
             </a:extLst>
           </p:cNvPr>
@@ -10579,7 +10526,7 @@
           <p:cNvPr id="18" name="Straight Connector 17">
             <a:extLst>
               <a:ext uri="{FF2B5EF4-FFF2-40B4-BE49-F238E27FC236}">
-                <a16:creationId xmlns:a16="http://schemas.microsoft.com/office/drawing/2014/main" id="{1AD958BF-A873-4CB2-8B9E-E6A70E8B83EE}"/>
+                <a16:creationId xmlns:a16="http://schemas.microsoft.com/office/drawing/2014/main" xmlns="" id="{1AD958BF-A873-4CB2-8B9E-E6A70E8B83EE}"/>
               </a:ext>
             </a:extLst>
           </p:cNvPr>
@@ -10618,7 +10565,7 @@
           <p:cNvPr id="19" name="Straight Connector 18">
             <a:extLst>
               <a:ext uri="{FF2B5EF4-FFF2-40B4-BE49-F238E27FC236}">
-                <a16:creationId xmlns:a16="http://schemas.microsoft.com/office/drawing/2014/main" id="{76EC13E3-FC7C-4183-8131-1B3BCAA78394}"/>
+                <a16:creationId xmlns:a16="http://schemas.microsoft.com/office/drawing/2014/main" xmlns="" id="{76EC13E3-FC7C-4183-8131-1B3BCAA78394}"/>
               </a:ext>
             </a:extLst>
           </p:cNvPr>
@@ -10657,7 +10604,7 @@
           <p:cNvPr id="20" name="Straight Connector 19">
             <a:extLst>
               <a:ext uri="{FF2B5EF4-FFF2-40B4-BE49-F238E27FC236}">
-                <a16:creationId xmlns:a16="http://schemas.microsoft.com/office/drawing/2014/main" id="{24A1D888-921F-4128-9259-82B3D1F0EE55}"/>
+                <a16:creationId xmlns:a16="http://schemas.microsoft.com/office/drawing/2014/main" xmlns="" id="{24A1D888-921F-4128-9259-82B3D1F0EE55}"/>
               </a:ext>
             </a:extLst>
           </p:cNvPr>
@@ -10696,7 +10643,7 @@
           <p:cNvPr id="21" name="TextBox 20">
             <a:extLst>
               <a:ext uri="{FF2B5EF4-FFF2-40B4-BE49-F238E27FC236}">
-                <a16:creationId xmlns:a16="http://schemas.microsoft.com/office/drawing/2014/main" id="{22B166E6-1160-42AE-A84F-4F0DF9A8AE7F}"/>
+                <a16:creationId xmlns:a16="http://schemas.microsoft.com/office/drawing/2014/main" xmlns="" id="{22B166E6-1160-42AE-A84F-4F0DF9A8AE7F}"/>
               </a:ext>
             </a:extLst>
           </p:cNvPr>
@@ -10758,7 +10705,7 @@
           <p:cNvPr id="22" name="Group 21">
             <a:extLst>
               <a:ext uri="{FF2B5EF4-FFF2-40B4-BE49-F238E27FC236}">
-                <a16:creationId xmlns:a16="http://schemas.microsoft.com/office/drawing/2014/main" id="{89190295-AB3D-4530-A903-22A947FAD273}"/>
+                <a16:creationId xmlns:a16="http://schemas.microsoft.com/office/drawing/2014/main" xmlns="" id="{89190295-AB3D-4530-A903-22A947FAD273}"/>
               </a:ext>
             </a:extLst>
           </p:cNvPr>
@@ -10778,7 +10725,7 @@
             <p:cNvPr id="23" name="Rectangle 22">
               <a:extLst>
                 <a:ext uri="{FF2B5EF4-FFF2-40B4-BE49-F238E27FC236}">
-                  <a16:creationId xmlns:a16="http://schemas.microsoft.com/office/drawing/2014/main" id="{16D6F211-AC4F-4E36-8BBE-7E8C9668CCB7}"/>
+                  <a16:creationId xmlns:a16="http://schemas.microsoft.com/office/drawing/2014/main" xmlns="" id="{16D6F211-AC4F-4E36-8BBE-7E8C9668CCB7}"/>
                 </a:ext>
               </a:extLst>
             </p:cNvPr>
@@ -10830,7 +10777,7 @@
             <p:cNvPr id="24" name="TextBox 23">
               <a:extLst>
                 <a:ext uri="{FF2B5EF4-FFF2-40B4-BE49-F238E27FC236}">
-                  <a16:creationId xmlns:a16="http://schemas.microsoft.com/office/drawing/2014/main" id="{C12D7C35-F335-420D-9103-897F90C230ED}"/>
+                  <a16:creationId xmlns:a16="http://schemas.microsoft.com/office/drawing/2014/main" xmlns="" id="{C12D7C35-F335-420D-9103-897F90C230ED}"/>
                 </a:ext>
               </a:extLst>
             </p:cNvPr>
@@ -10914,7 +10861,7 @@
           <p:cNvPr id="25" name="Picture 24">
             <a:extLst>
               <a:ext uri="{FF2B5EF4-FFF2-40B4-BE49-F238E27FC236}">
-                <a16:creationId xmlns:a16="http://schemas.microsoft.com/office/drawing/2014/main" id="{4A85F80F-725F-4EBD-A5E4-2747DB83BA54}"/>
+                <a16:creationId xmlns:a16="http://schemas.microsoft.com/office/drawing/2014/main" xmlns="" id="{4A85F80F-725F-4EBD-A5E4-2747DB83BA54}"/>
               </a:ext>
             </a:extLst>
           </p:cNvPr>
@@ -10980,7 +10927,7 @@
           <p:cNvPr id="2" name="Group 1">
             <a:extLst>
               <a:ext uri="{FF2B5EF4-FFF2-40B4-BE49-F238E27FC236}">
-                <a16:creationId xmlns:a16="http://schemas.microsoft.com/office/drawing/2014/main" id="{F511A708-DAF0-4E25-9E41-09E98D27437B}"/>
+                <a16:creationId xmlns:a16="http://schemas.microsoft.com/office/drawing/2014/main" xmlns="" id="{F511A708-DAF0-4E25-9E41-09E98D27437B}"/>
               </a:ext>
             </a:extLst>
           </p:cNvPr>
@@ -11000,7 +10947,7 @@
             <p:cNvPr id="3" name="Rectangle 2">
               <a:extLst>
                 <a:ext uri="{FF2B5EF4-FFF2-40B4-BE49-F238E27FC236}">
-                  <a16:creationId xmlns:a16="http://schemas.microsoft.com/office/drawing/2014/main" id="{46DAFCFD-F325-4440-815C-2E99E081DAE9}"/>
+                  <a16:creationId xmlns:a16="http://schemas.microsoft.com/office/drawing/2014/main" xmlns="" id="{46DAFCFD-F325-4440-815C-2E99E081DAE9}"/>
                 </a:ext>
               </a:extLst>
             </p:cNvPr>
@@ -11052,7 +10999,7 @@
             <p:cNvPr id="4" name="TextBox 3">
               <a:extLst>
                 <a:ext uri="{FF2B5EF4-FFF2-40B4-BE49-F238E27FC236}">
-                  <a16:creationId xmlns:a16="http://schemas.microsoft.com/office/drawing/2014/main" id="{D94DE324-C636-404F-8B39-786D12ACDD8C}"/>
+                  <a16:creationId xmlns:a16="http://schemas.microsoft.com/office/drawing/2014/main" xmlns="" id="{D94DE324-C636-404F-8B39-786D12ACDD8C}"/>
                 </a:ext>
               </a:extLst>
             </p:cNvPr>
@@ -11107,7 +11054,7 @@
           <p:cNvPr id="5" name="Rectangle 4">
             <a:extLst>
               <a:ext uri="{FF2B5EF4-FFF2-40B4-BE49-F238E27FC236}">
-                <a16:creationId xmlns:a16="http://schemas.microsoft.com/office/drawing/2014/main" id="{87B15841-883D-4E3B-BEA4-15F25DE66868}"/>
+                <a16:creationId xmlns:a16="http://schemas.microsoft.com/office/drawing/2014/main" xmlns="" id="{87B15841-883D-4E3B-BEA4-15F25DE66868}"/>
               </a:ext>
             </a:extLst>
           </p:cNvPr>
@@ -11166,7 +11113,7 @@
           <p:cNvPr id="6" name="Rectangle 5">
             <a:extLst>
               <a:ext uri="{FF2B5EF4-FFF2-40B4-BE49-F238E27FC236}">
-                <a16:creationId xmlns:a16="http://schemas.microsoft.com/office/drawing/2014/main" id="{480FEF4A-0C94-42A7-AD70-2A884D4FEB27}"/>
+                <a16:creationId xmlns:a16="http://schemas.microsoft.com/office/drawing/2014/main" xmlns="" id="{480FEF4A-0C94-42A7-AD70-2A884D4FEB27}"/>
               </a:ext>
             </a:extLst>
           </p:cNvPr>
@@ -11247,7 +11194,7 @@
           <p:cNvPr id="7" name="Rectangle 6">
             <a:extLst>
               <a:ext uri="{FF2B5EF4-FFF2-40B4-BE49-F238E27FC236}">
-                <a16:creationId xmlns:a16="http://schemas.microsoft.com/office/drawing/2014/main" id="{0DD1860C-618E-4828-A0D4-5F9B2566D2DF}"/>
+                <a16:creationId xmlns:a16="http://schemas.microsoft.com/office/drawing/2014/main" xmlns="" id="{0DD1860C-618E-4828-A0D4-5F9B2566D2DF}"/>
               </a:ext>
             </a:extLst>
           </p:cNvPr>
@@ -11304,7 +11251,7 @@
           <p:cNvPr id="10" name="Straight Arrow Connector 9">
             <a:extLst>
               <a:ext uri="{FF2B5EF4-FFF2-40B4-BE49-F238E27FC236}">
-                <a16:creationId xmlns:a16="http://schemas.microsoft.com/office/drawing/2014/main" id="{0A690E3F-B6CE-4FF6-B324-DADE44622368}"/>
+                <a16:creationId xmlns:a16="http://schemas.microsoft.com/office/drawing/2014/main" xmlns="" id="{0A690E3F-B6CE-4FF6-B324-DADE44622368}"/>
               </a:ext>
             </a:extLst>
           </p:cNvPr>
@@ -11352,7 +11299,7 @@
           <p:cNvPr id="11" name="Straight Arrow Connector 10">
             <a:extLst>
               <a:ext uri="{FF2B5EF4-FFF2-40B4-BE49-F238E27FC236}">
-                <a16:creationId xmlns:a16="http://schemas.microsoft.com/office/drawing/2014/main" id="{AD0A7AD7-E399-4FC6-BFA1-014DAAD7B855}"/>
+                <a16:creationId xmlns:a16="http://schemas.microsoft.com/office/drawing/2014/main" xmlns="" id="{AD0A7AD7-E399-4FC6-BFA1-014DAAD7B855}"/>
               </a:ext>
             </a:extLst>
           </p:cNvPr>
@@ -11400,7 +11347,7 @@
           <p:cNvPr id="25" name="Picture 24">
             <a:extLst>
               <a:ext uri="{FF2B5EF4-FFF2-40B4-BE49-F238E27FC236}">
-                <a16:creationId xmlns:a16="http://schemas.microsoft.com/office/drawing/2014/main" id="{EC62048F-F606-4183-B535-A581F5B73351}"/>
+                <a16:creationId xmlns:a16="http://schemas.microsoft.com/office/drawing/2014/main" xmlns="" id="{EC62048F-F606-4183-B535-A581F5B73351}"/>
               </a:ext>
             </a:extLst>
           </p:cNvPr>
@@ -11437,7 +11384,7 @@
           <p:cNvPr id="26" name="Picture 25">
             <a:extLst>
               <a:ext uri="{FF2B5EF4-FFF2-40B4-BE49-F238E27FC236}">
-                <a16:creationId xmlns:a16="http://schemas.microsoft.com/office/drawing/2014/main" id="{EECCFC06-E24E-4BDA-85A3-A103326C7E62}"/>
+                <a16:creationId xmlns:a16="http://schemas.microsoft.com/office/drawing/2014/main" xmlns="" id="{EECCFC06-E24E-4BDA-85A3-A103326C7E62}"/>
               </a:ext>
             </a:extLst>
           </p:cNvPr>
@@ -11504,7 +11451,7 @@
           <p:cNvPr id="4" name="TextBox 3">
             <a:extLst>
               <a:ext uri="{FF2B5EF4-FFF2-40B4-BE49-F238E27FC236}">
-                <a16:creationId xmlns:a16="http://schemas.microsoft.com/office/drawing/2014/main" id="{29919EFC-8378-486B-B57B-431F92C95C96}"/>
+                <a16:creationId xmlns:a16="http://schemas.microsoft.com/office/drawing/2014/main" xmlns="" id="{29919EFC-8378-486B-B57B-431F92C95C96}"/>
               </a:ext>
             </a:extLst>
           </p:cNvPr>
@@ -11566,7 +11513,7 @@
           <p:cNvPr id="1028" name="Picture 4">
             <a:extLst>
               <a:ext uri="{FF2B5EF4-FFF2-40B4-BE49-F238E27FC236}">
-                <a16:creationId xmlns:a16="http://schemas.microsoft.com/office/drawing/2014/main" id="{A6DABB24-C56C-4C43-B2FB-F6DB67E2A3DB}"/>
+                <a16:creationId xmlns:a16="http://schemas.microsoft.com/office/drawing/2014/main" xmlns="" id="{A6DABB24-C56C-4C43-B2FB-F6DB67E2A3DB}"/>
               </a:ext>
             </a:extLst>
           </p:cNvPr>
@@ -11613,7 +11560,7 @@
           <p:cNvPr id="3" name="Group 2">
             <a:extLst>
               <a:ext uri="{FF2B5EF4-FFF2-40B4-BE49-F238E27FC236}">
-                <a16:creationId xmlns:a16="http://schemas.microsoft.com/office/drawing/2014/main" id="{25C6B02E-0ADF-4D5A-A379-EED3C28233F2}"/>
+                <a16:creationId xmlns:a16="http://schemas.microsoft.com/office/drawing/2014/main" xmlns="" id="{25C6B02E-0ADF-4D5A-A379-EED3C28233F2}"/>
               </a:ext>
             </a:extLst>
           </p:cNvPr>
@@ -11633,7 +11580,7 @@
             <p:cNvPr id="7" name="Rectangle 6">
               <a:extLst>
                 <a:ext uri="{FF2B5EF4-FFF2-40B4-BE49-F238E27FC236}">
-                  <a16:creationId xmlns:a16="http://schemas.microsoft.com/office/drawing/2014/main" id="{DDD216CA-9A72-4016-AE4B-8DAE8467D432}"/>
+                  <a16:creationId xmlns:a16="http://schemas.microsoft.com/office/drawing/2014/main" xmlns="" id="{DDD216CA-9A72-4016-AE4B-8DAE8467D432}"/>
                 </a:ext>
               </a:extLst>
             </p:cNvPr>
@@ -11685,7 +11632,7 @@
             <p:cNvPr id="8" name="TextBox 7">
               <a:extLst>
                 <a:ext uri="{FF2B5EF4-FFF2-40B4-BE49-F238E27FC236}">
-                  <a16:creationId xmlns:a16="http://schemas.microsoft.com/office/drawing/2014/main" id="{B38D6354-7141-438B-A513-4EF40761350B}"/>
+                  <a16:creationId xmlns:a16="http://schemas.microsoft.com/office/drawing/2014/main" xmlns="" id="{B38D6354-7141-438B-A513-4EF40761350B}"/>
                 </a:ext>
               </a:extLst>
             </p:cNvPr>
@@ -11799,7 +11746,7 @@
           <p:cNvPr id="2" name="Rectangle 1">
             <a:extLst>
               <a:ext uri="{FF2B5EF4-FFF2-40B4-BE49-F238E27FC236}">
-                <a16:creationId xmlns:a16="http://schemas.microsoft.com/office/drawing/2014/main" id="{22D704E7-0C6D-460D-A47B-159FBE5D11CA}"/>
+                <a16:creationId xmlns:a16="http://schemas.microsoft.com/office/drawing/2014/main" xmlns="" id="{22D704E7-0C6D-460D-A47B-159FBE5D11CA}"/>
               </a:ext>
             </a:extLst>
           </p:cNvPr>
@@ -11851,7 +11798,7 @@
           <p:cNvPr id="3" name="TextBox 2">
             <a:extLst>
               <a:ext uri="{FF2B5EF4-FFF2-40B4-BE49-F238E27FC236}">
-                <a16:creationId xmlns:a16="http://schemas.microsoft.com/office/drawing/2014/main" id="{D9C4D8BF-E8D3-4AE6-9EDA-D124ECBE589C}"/>
+                <a16:creationId xmlns:a16="http://schemas.microsoft.com/office/drawing/2014/main" xmlns="" id="{D9C4D8BF-E8D3-4AE6-9EDA-D124ECBE589C}"/>
               </a:ext>
             </a:extLst>
           </p:cNvPr>
@@ -11944,7 +11891,7 @@
           <p:cNvPr id="2" name="Rectangle 1">
             <a:extLst>
               <a:ext uri="{FF2B5EF4-FFF2-40B4-BE49-F238E27FC236}">
-                <a16:creationId xmlns:a16="http://schemas.microsoft.com/office/drawing/2014/main" id="{E790BB7E-29F2-4DF1-B25E-D38C693AFE40}"/>
+                <a16:creationId xmlns:a16="http://schemas.microsoft.com/office/drawing/2014/main" xmlns="" id="{E790BB7E-29F2-4DF1-B25E-D38C693AFE40}"/>
               </a:ext>
             </a:extLst>
           </p:cNvPr>
@@ -11996,7 +11943,7 @@
           <p:cNvPr id="3" name="TextBox 2">
             <a:extLst>
               <a:ext uri="{FF2B5EF4-FFF2-40B4-BE49-F238E27FC236}">
-                <a16:creationId xmlns:a16="http://schemas.microsoft.com/office/drawing/2014/main" id="{FCCDF798-446F-4BB3-B1D9-9F9E2D4CA61B}"/>
+                <a16:creationId xmlns:a16="http://schemas.microsoft.com/office/drawing/2014/main" xmlns="" id="{FCCDF798-446F-4BB3-B1D9-9F9E2D4CA61B}"/>
               </a:ext>
             </a:extLst>
           </p:cNvPr>
@@ -12067,7 +12014,7 @@
           <p:cNvPr id="2" name="TextBox 1">
             <a:extLst>
               <a:ext uri="{FF2B5EF4-FFF2-40B4-BE49-F238E27FC236}">
-                <a16:creationId xmlns:a16="http://schemas.microsoft.com/office/drawing/2014/main" id="{956F83A0-5F0D-49B1-8DE3-A5A0F17E2915}"/>
+                <a16:creationId xmlns:a16="http://schemas.microsoft.com/office/drawing/2014/main" xmlns="" id="{956F83A0-5F0D-49B1-8DE3-A5A0F17E2915}"/>
               </a:ext>
             </a:extLst>
           </p:cNvPr>
@@ -12109,7 +12056,7 @@
           <p:cNvPr id="3" name="Rectangle 2">
             <a:extLst>
               <a:ext uri="{FF2B5EF4-FFF2-40B4-BE49-F238E27FC236}">
-                <a16:creationId xmlns:a16="http://schemas.microsoft.com/office/drawing/2014/main" id="{935E4990-C3F0-4B98-A7FD-2B334D299332}"/>
+                <a16:creationId xmlns:a16="http://schemas.microsoft.com/office/drawing/2014/main" xmlns="" id="{935E4990-C3F0-4B98-A7FD-2B334D299332}"/>
               </a:ext>
             </a:extLst>
           </p:cNvPr>
@@ -12195,7 +12142,7 @@
           <p:cNvPr id="3" name="Picture 2" descr="A close up of a map&#10;&#10;Description automatically generated">
             <a:extLst>
               <a:ext uri="{FF2B5EF4-FFF2-40B4-BE49-F238E27FC236}">
-                <a16:creationId xmlns:a16="http://schemas.microsoft.com/office/drawing/2014/main" id="{FFFF93AA-0214-48FC-B328-39EEAE541E3F}"/>
+                <a16:creationId xmlns:a16="http://schemas.microsoft.com/office/drawing/2014/main" xmlns="" id="{FFFF93AA-0214-48FC-B328-39EEAE541E3F}"/>
               </a:ext>
             </a:extLst>
           </p:cNvPr>
@@ -12231,7 +12178,7 @@
           <p:cNvPr id="6" name="TextBox 5">
             <a:extLst>
               <a:ext uri="{FF2B5EF4-FFF2-40B4-BE49-F238E27FC236}">
-                <a16:creationId xmlns:a16="http://schemas.microsoft.com/office/drawing/2014/main" id="{23516FBE-E3BA-4BD5-802A-7C5AA4ECD632}"/>
+                <a16:creationId xmlns:a16="http://schemas.microsoft.com/office/drawing/2014/main" xmlns="" id="{23516FBE-E3BA-4BD5-802A-7C5AA4ECD632}"/>
               </a:ext>
             </a:extLst>
           </p:cNvPr>
@@ -12294,7 +12241,7 @@
           <p:cNvPr id="7" name="Group 6">
             <a:extLst>
               <a:ext uri="{FF2B5EF4-FFF2-40B4-BE49-F238E27FC236}">
-                <a16:creationId xmlns:a16="http://schemas.microsoft.com/office/drawing/2014/main" id="{2C22C097-CE10-4B64-98C6-2606A017C996}"/>
+                <a16:creationId xmlns:a16="http://schemas.microsoft.com/office/drawing/2014/main" xmlns="" id="{2C22C097-CE10-4B64-98C6-2606A017C996}"/>
               </a:ext>
             </a:extLst>
           </p:cNvPr>
@@ -12314,7 +12261,7 @@
             <p:cNvPr id="9" name="Rectangle 8">
               <a:extLst>
                 <a:ext uri="{FF2B5EF4-FFF2-40B4-BE49-F238E27FC236}">
-                  <a16:creationId xmlns:a16="http://schemas.microsoft.com/office/drawing/2014/main" id="{ED99E6FE-D8B3-476F-9FA4-B8D1F573DA61}"/>
+                  <a16:creationId xmlns:a16="http://schemas.microsoft.com/office/drawing/2014/main" xmlns="" id="{ED99E6FE-D8B3-476F-9FA4-B8D1F573DA61}"/>
                 </a:ext>
               </a:extLst>
             </p:cNvPr>
@@ -12366,7 +12313,7 @@
             <p:cNvPr id="11" name="TextBox 10">
               <a:extLst>
                 <a:ext uri="{FF2B5EF4-FFF2-40B4-BE49-F238E27FC236}">
-                  <a16:creationId xmlns:a16="http://schemas.microsoft.com/office/drawing/2014/main" id="{6AE5B4AF-A989-40CB-9515-ED3FCF512EE9}"/>
+                  <a16:creationId xmlns:a16="http://schemas.microsoft.com/office/drawing/2014/main" xmlns="" id="{6AE5B4AF-A989-40CB-9515-ED3FCF512EE9}"/>
                 </a:ext>
               </a:extLst>
             </p:cNvPr>
@@ -12480,7 +12427,7 @@
           <p:cNvPr id="2" name="Picture 1">
             <a:extLst>
               <a:ext uri="{FF2B5EF4-FFF2-40B4-BE49-F238E27FC236}">
-                <a16:creationId xmlns:a16="http://schemas.microsoft.com/office/drawing/2014/main" id="{C2D21DF9-9503-445A-840F-0309AACAFFAB}"/>
+                <a16:creationId xmlns:a16="http://schemas.microsoft.com/office/drawing/2014/main" xmlns="" id="{C2D21DF9-9503-445A-840F-0309AACAFFAB}"/>
               </a:ext>
             </a:extLst>
           </p:cNvPr>
@@ -12510,7 +12457,7 @@
           <p:cNvPr id="5" name="TextBox 4">
             <a:extLst>
               <a:ext uri="{FF2B5EF4-FFF2-40B4-BE49-F238E27FC236}">
-                <a16:creationId xmlns:a16="http://schemas.microsoft.com/office/drawing/2014/main" id="{DA945D7B-AE04-4381-AD21-7AED9BD8634E}"/>
+                <a16:creationId xmlns:a16="http://schemas.microsoft.com/office/drawing/2014/main" xmlns="" id="{DA945D7B-AE04-4381-AD21-7AED9BD8634E}"/>
               </a:ext>
             </a:extLst>
           </p:cNvPr>
@@ -12573,7 +12520,7 @@
           <p:cNvPr id="6" name="Group 5">
             <a:extLst>
               <a:ext uri="{FF2B5EF4-FFF2-40B4-BE49-F238E27FC236}">
-                <a16:creationId xmlns:a16="http://schemas.microsoft.com/office/drawing/2014/main" id="{323D070D-3D17-4924-A97D-18E0B55EC766}"/>
+                <a16:creationId xmlns:a16="http://schemas.microsoft.com/office/drawing/2014/main" xmlns="" id="{323D070D-3D17-4924-A97D-18E0B55EC766}"/>
               </a:ext>
             </a:extLst>
           </p:cNvPr>
@@ -12593,7 +12540,7 @@
             <p:cNvPr id="8" name="Rectangle 7">
               <a:extLst>
                 <a:ext uri="{FF2B5EF4-FFF2-40B4-BE49-F238E27FC236}">
-                  <a16:creationId xmlns:a16="http://schemas.microsoft.com/office/drawing/2014/main" id="{8B707766-DC75-434C-8EAF-C35E32D40A05}"/>
+                  <a16:creationId xmlns:a16="http://schemas.microsoft.com/office/drawing/2014/main" xmlns="" id="{8B707766-DC75-434C-8EAF-C35E32D40A05}"/>
                 </a:ext>
               </a:extLst>
             </p:cNvPr>
@@ -12645,7 +12592,7 @@
             <p:cNvPr id="10" name="TextBox 9">
               <a:extLst>
                 <a:ext uri="{FF2B5EF4-FFF2-40B4-BE49-F238E27FC236}">
-                  <a16:creationId xmlns:a16="http://schemas.microsoft.com/office/drawing/2014/main" id="{E66B9A87-698B-4E8A-BB8C-0033E1886165}"/>
+                  <a16:creationId xmlns:a16="http://schemas.microsoft.com/office/drawing/2014/main" xmlns="" id="{E66B9A87-698B-4E8A-BB8C-0033E1886165}"/>
                 </a:ext>
               </a:extLst>
             </p:cNvPr>
@@ -12724,7 +12671,7 @@
           <p:cNvPr id="2050" name="Picture 2">
             <a:extLst>
               <a:ext uri="{FF2B5EF4-FFF2-40B4-BE49-F238E27FC236}">
-                <a16:creationId xmlns:a16="http://schemas.microsoft.com/office/drawing/2014/main" id="{7BEC5161-42E3-40DD-A07D-EA23FEF6FF06}"/>
+                <a16:creationId xmlns:a16="http://schemas.microsoft.com/office/drawing/2014/main" xmlns="" id="{7BEC5161-42E3-40DD-A07D-EA23FEF6FF06}"/>
               </a:ext>
             </a:extLst>
           </p:cNvPr>
@@ -12771,7 +12718,7 @@
           <p:cNvPr id="3" name="TextBox 2">
             <a:extLst>
               <a:ext uri="{FF2B5EF4-FFF2-40B4-BE49-F238E27FC236}">
-                <a16:creationId xmlns:a16="http://schemas.microsoft.com/office/drawing/2014/main" id="{EA65EBAA-05D6-4198-B84A-134EBD0B040A}"/>
+                <a16:creationId xmlns:a16="http://schemas.microsoft.com/office/drawing/2014/main" xmlns="" id="{EA65EBAA-05D6-4198-B84A-134EBD0B040A}"/>
               </a:ext>
             </a:extLst>
           </p:cNvPr>
@@ -12854,7 +12801,7 @@
           <p:cNvPr id="2" name="Group 1">
             <a:extLst>
               <a:ext uri="{FF2B5EF4-FFF2-40B4-BE49-F238E27FC236}">
-                <a16:creationId xmlns:a16="http://schemas.microsoft.com/office/drawing/2014/main" id="{0F8B1C20-16D7-436C-8A25-752B10B4F2EE}"/>
+                <a16:creationId xmlns:a16="http://schemas.microsoft.com/office/drawing/2014/main" xmlns="" id="{0F8B1C20-16D7-436C-8A25-752B10B4F2EE}"/>
               </a:ext>
             </a:extLst>
           </p:cNvPr>
@@ -12874,7 +12821,7 @@
             <p:cNvPr id="5" name="Rectangle 4">
               <a:extLst>
                 <a:ext uri="{FF2B5EF4-FFF2-40B4-BE49-F238E27FC236}">
-                  <a16:creationId xmlns:a16="http://schemas.microsoft.com/office/drawing/2014/main" id="{887EA610-D9AD-40FB-9902-16EF3A5ECC36}"/>
+                  <a16:creationId xmlns:a16="http://schemas.microsoft.com/office/drawing/2014/main" xmlns="" id="{887EA610-D9AD-40FB-9902-16EF3A5ECC36}"/>
                 </a:ext>
               </a:extLst>
             </p:cNvPr>
@@ -12926,7 +12873,7 @@
             <p:cNvPr id="6" name="TextBox 5">
               <a:extLst>
                 <a:ext uri="{FF2B5EF4-FFF2-40B4-BE49-F238E27FC236}">
-                  <a16:creationId xmlns:a16="http://schemas.microsoft.com/office/drawing/2014/main" id="{D4C111AE-FE22-4B0A-92A2-F73B1FE1ACE4}"/>
+                  <a16:creationId xmlns:a16="http://schemas.microsoft.com/office/drawing/2014/main" xmlns="" id="{D4C111AE-FE22-4B0A-92A2-F73B1FE1ACE4}"/>
                 </a:ext>
               </a:extLst>
             </p:cNvPr>
@@ -13040,7 +12987,7 @@
           <p:cNvPr id="4" name="Group 3">
             <a:extLst>
               <a:ext uri="{FF2B5EF4-FFF2-40B4-BE49-F238E27FC236}">
-                <a16:creationId xmlns:a16="http://schemas.microsoft.com/office/drawing/2014/main" id="{C4167E7F-6838-492A-8E0B-1E6F469D11D5}"/>
+                <a16:creationId xmlns:a16="http://schemas.microsoft.com/office/drawing/2014/main" xmlns="" id="{C4167E7F-6838-492A-8E0B-1E6F469D11D5}"/>
               </a:ext>
             </a:extLst>
           </p:cNvPr>
@@ -13060,7 +13007,7 @@
             <p:cNvPr id="5" name="Rectangle 4">
               <a:extLst>
                 <a:ext uri="{FF2B5EF4-FFF2-40B4-BE49-F238E27FC236}">
-                  <a16:creationId xmlns:a16="http://schemas.microsoft.com/office/drawing/2014/main" id="{DC9551C8-7BC9-4EA6-B63D-171AF1AF1FB5}"/>
+                  <a16:creationId xmlns:a16="http://schemas.microsoft.com/office/drawing/2014/main" xmlns="" id="{DC9551C8-7BC9-4EA6-B63D-171AF1AF1FB5}"/>
                 </a:ext>
               </a:extLst>
             </p:cNvPr>
@@ -13112,7 +13059,7 @@
             <p:cNvPr id="6" name="TextBox 5">
               <a:extLst>
                 <a:ext uri="{FF2B5EF4-FFF2-40B4-BE49-F238E27FC236}">
-                  <a16:creationId xmlns:a16="http://schemas.microsoft.com/office/drawing/2014/main" id="{6DF3ECE8-EE72-4C20-96D4-0996258CF0F9}"/>
+                  <a16:creationId xmlns:a16="http://schemas.microsoft.com/office/drawing/2014/main" xmlns="" id="{6DF3ECE8-EE72-4C20-96D4-0996258CF0F9}"/>
                 </a:ext>
               </a:extLst>
             </p:cNvPr>
@@ -13167,7 +13114,7 @@
           <p:cNvPr id="7" name="Rectangle 6">
             <a:extLst>
               <a:ext uri="{FF2B5EF4-FFF2-40B4-BE49-F238E27FC236}">
-                <a16:creationId xmlns:a16="http://schemas.microsoft.com/office/drawing/2014/main" id="{622AD272-0257-4E69-820E-D9B40CDC52A5}"/>
+                <a16:creationId xmlns:a16="http://schemas.microsoft.com/office/drawing/2014/main" xmlns="" id="{622AD272-0257-4E69-820E-D9B40CDC52A5}"/>
               </a:ext>
             </a:extLst>
           </p:cNvPr>
@@ -13226,7 +13173,7 @@
           <p:cNvPr id="8" name="Rectangle 7">
             <a:extLst>
               <a:ext uri="{FF2B5EF4-FFF2-40B4-BE49-F238E27FC236}">
-                <a16:creationId xmlns:a16="http://schemas.microsoft.com/office/drawing/2014/main" id="{DEF9C811-CEF4-43ED-B819-7F619CCE026E}"/>
+                <a16:creationId xmlns:a16="http://schemas.microsoft.com/office/drawing/2014/main" xmlns="" id="{DEF9C811-CEF4-43ED-B819-7F619CCE026E}"/>
               </a:ext>
             </a:extLst>
           </p:cNvPr>
@@ -13307,7 +13254,7 @@
           <p:cNvPr id="9" name="Rectangle 8">
             <a:extLst>
               <a:ext uri="{FF2B5EF4-FFF2-40B4-BE49-F238E27FC236}">
-                <a16:creationId xmlns:a16="http://schemas.microsoft.com/office/drawing/2014/main" id="{DCCF5AEC-6F94-4146-8730-6A4BB246EB77}"/>
+                <a16:creationId xmlns:a16="http://schemas.microsoft.com/office/drawing/2014/main" xmlns="" id="{DCCF5AEC-6F94-4146-8730-6A4BB246EB77}"/>
               </a:ext>
             </a:extLst>
           </p:cNvPr>
@@ -13383,7 +13330,7 @@
           <p:cNvPr id="10" name="Rectangle 9">
             <a:extLst>
               <a:ext uri="{FF2B5EF4-FFF2-40B4-BE49-F238E27FC236}">
-                <a16:creationId xmlns:a16="http://schemas.microsoft.com/office/drawing/2014/main" id="{0D909E74-EE2C-4E23-89BD-485F95658A53}"/>
+                <a16:creationId xmlns:a16="http://schemas.microsoft.com/office/drawing/2014/main" xmlns="" id="{0D909E74-EE2C-4E23-89BD-485F95658A53}"/>
               </a:ext>
             </a:extLst>
           </p:cNvPr>
@@ -13442,7 +13389,7 @@
           <p:cNvPr id="11" name="Rectangle 10">
             <a:extLst>
               <a:ext uri="{FF2B5EF4-FFF2-40B4-BE49-F238E27FC236}">
-                <a16:creationId xmlns:a16="http://schemas.microsoft.com/office/drawing/2014/main" id="{8F5E4E0E-78DF-42DD-90A5-6EF7AC632AAC}"/>
+                <a16:creationId xmlns:a16="http://schemas.microsoft.com/office/drawing/2014/main" xmlns="" id="{8F5E4E0E-78DF-42DD-90A5-6EF7AC632AAC}"/>
               </a:ext>
             </a:extLst>
           </p:cNvPr>
@@ -13499,7 +13446,7 @@
           <p:cNvPr id="13" name="Straight Arrow Connector 12">
             <a:extLst>
               <a:ext uri="{FF2B5EF4-FFF2-40B4-BE49-F238E27FC236}">
-                <a16:creationId xmlns:a16="http://schemas.microsoft.com/office/drawing/2014/main" id="{28C4EF78-C07F-45B1-AD5D-9CF139572D96}"/>
+                <a16:creationId xmlns:a16="http://schemas.microsoft.com/office/drawing/2014/main" xmlns="" id="{28C4EF78-C07F-45B1-AD5D-9CF139572D96}"/>
               </a:ext>
             </a:extLst>
           </p:cNvPr>
@@ -13546,7 +13493,7 @@
           <p:cNvPr id="16" name="Straight Arrow Connector 15">
             <a:extLst>
               <a:ext uri="{FF2B5EF4-FFF2-40B4-BE49-F238E27FC236}">
-                <a16:creationId xmlns:a16="http://schemas.microsoft.com/office/drawing/2014/main" id="{26A22ED1-374E-4FC1-9745-965901553678}"/>
+                <a16:creationId xmlns:a16="http://schemas.microsoft.com/office/drawing/2014/main" xmlns="" id="{26A22ED1-374E-4FC1-9745-965901553678}"/>
               </a:ext>
             </a:extLst>
           </p:cNvPr>
@@ -13593,7 +13540,7 @@
           <p:cNvPr id="22" name="Straight Arrow Connector 21">
             <a:extLst>
               <a:ext uri="{FF2B5EF4-FFF2-40B4-BE49-F238E27FC236}">
-                <a16:creationId xmlns:a16="http://schemas.microsoft.com/office/drawing/2014/main" id="{A23F6168-C120-4CA8-8ACF-427A2983F105}"/>
+                <a16:creationId xmlns:a16="http://schemas.microsoft.com/office/drawing/2014/main" xmlns="" id="{A23F6168-C120-4CA8-8ACF-427A2983F105}"/>
               </a:ext>
             </a:extLst>
           </p:cNvPr>
@@ -13640,7 +13587,7 @@
           <p:cNvPr id="24" name="Straight Arrow Connector 23">
             <a:extLst>
               <a:ext uri="{FF2B5EF4-FFF2-40B4-BE49-F238E27FC236}">
-                <a16:creationId xmlns:a16="http://schemas.microsoft.com/office/drawing/2014/main" id="{761B8FEF-D201-448E-BFD3-B6C370F0DDAD}"/>
+                <a16:creationId xmlns:a16="http://schemas.microsoft.com/office/drawing/2014/main" xmlns="" id="{761B8FEF-D201-448E-BFD3-B6C370F0DDAD}"/>
               </a:ext>
             </a:extLst>
           </p:cNvPr>
@@ -13687,7 +13634,7 @@
           <p:cNvPr id="4098" name="Picture 1" descr="image001">
             <a:extLst>
               <a:ext uri="{FF2B5EF4-FFF2-40B4-BE49-F238E27FC236}">
-                <a16:creationId xmlns:a16="http://schemas.microsoft.com/office/drawing/2014/main" id="{32B157C1-AAFC-4276-95DE-6E2B46E27795}"/>
+                <a16:creationId xmlns:a16="http://schemas.microsoft.com/office/drawing/2014/main" xmlns="" id="{32B157C1-AAFC-4276-95DE-6E2B46E27795}"/>
               </a:ext>
             </a:extLst>
           </p:cNvPr>
@@ -13772,7 +13719,7 @@
           <p:cNvPr id="2" name="Table 1">
             <a:extLst>
               <a:ext uri="{FF2B5EF4-FFF2-40B4-BE49-F238E27FC236}">
-                <a16:creationId xmlns:a16="http://schemas.microsoft.com/office/drawing/2014/main" id="{F286D1B1-D131-4BF2-A626-3859271C5DFD}"/>
+                <a16:creationId xmlns:a16="http://schemas.microsoft.com/office/drawing/2014/main" xmlns="" id="{F286D1B1-D131-4BF2-A626-3859271C5DFD}"/>
               </a:ext>
             </a:extLst>
           </p:cNvPr>
@@ -13801,49 +13748,49 @@
                 <a:gridCol w="4275221">
                   <a:extLst>
                     <a:ext uri="{9D8B030D-6E8A-4147-A177-3AD203B41FA5}">
-                      <a16:colId xmlns:a16="http://schemas.microsoft.com/office/drawing/2014/main" val="4260678992"/>
+                      <a16:colId xmlns:a16="http://schemas.microsoft.com/office/drawing/2014/main" xmlns="" val="4260678992"/>
                     </a:ext>
                   </a:extLst>
                 </a:gridCol>
                 <a:gridCol w="1030147">
                   <a:extLst>
                     <a:ext uri="{9D8B030D-6E8A-4147-A177-3AD203B41FA5}">
-                      <a16:colId xmlns:a16="http://schemas.microsoft.com/office/drawing/2014/main" val="1489206952"/>
+                      <a16:colId xmlns:a16="http://schemas.microsoft.com/office/drawing/2014/main" xmlns="" val="1489206952"/>
                     </a:ext>
                   </a:extLst>
                 </a:gridCol>
                 <a:gridCol w="985520">
                   <a:extLst>
                     <a:ext uri="{9D8B030D-6E8A-4147-A177-3AD203B41FA5}">
-                      <a16:colId xmlns:a16="http://schemas.microsoft.com/office/drawing/2014/main" val="2086765951"/>
+                      <a16:colId xmlns:a16="http://schemas.microsoft.com/office/drawing/2014/main" xmlns="" val="2086765951"/>
                     </a:ext>
                   </a:extLst>
                 </a:gridCol>
                 <a:gridCol w="510600">
                   <a:extLst>
                     <a:ext uri="{9D8B030D-6E8A-4147-A177-3AD203B41FA5}">
-                      <a16:colId xmlns:a16="http://schemas.microsoft.com/office/drawing/2014/main" val="1774528690"/>
+                      <a16:colId xmlns:a16="http://schemas.microsoft.com/office/drawing/2014/main" xmlns="" val="1774528690"/>
                     </a:ext>
                   </a:extLst>
                 </a:gridCol>
                 <a:gridCol w="1988127">
                   <a:extLst>
                     <a:ext uri="{9D8B030D-6E8A-4147-A177-3AD203B41FA5}">
-                      <a16:colId xmlns:a16="http://schemas.microsoft.com/office/drawing/2014/main" val="2091495356"/>
+                      <a16:colId xmlns:a16="http://schemas.microsoft.com/office/drawing/2014/main" xmlns="" val="2091495356"/>
                     </a:ext>
                   </a:extLst>
                 </a:gridCol>
                 <a:gridCol w="837106">
                   <a:extLst>
                     <a:ext uri="{9D8B030D-6E8A-4147-A177-3AD203B41FA5}">
-                      <a16:colId xmlns:a16="http://schemas.microsoft.com/office/drawing/2014/main" val="627239611"/>
+                      <a16:colId xmlns:a16="http://schemas.microsoft.com/office/drawing/2014/main" xmlns="" val="627239611"/>
                     </a:ext>
                   </a:extLst>
                 </a:gridCol>
                 <a:gridCol w="1016486">
                   <a:extLst>
                     <a:ext uri="{9D8B030D-6E8A-4147-A177-3AD203B41FA5}">
-                      <a16:colId xmlns:a16="http://schemas.microsoft.com/office/drawing/2014/main" val="1698430144"/>
+                      <a16:colId xmlns:a16="http://schemas.microsoft.com/office/drawing/2014/main" xmlns="" val="1698430144"/>
                     </a:ext>
                   </a:extLst>
                 </a:gridCol>
@@ -14012,7 +13959,7 @@
                 </a:tc>
                 <a:extLst>
                   <a:ext uri="{0D108BD9-81ED-4DB2-BD59-A6C34878D82A}">
-                    <a16:rowId xmlns:a16="http://schemas.microsoft.com/office/drawing/2014/main" val="2848843611"/>
+                    <a16:rowId xmlns:a16="http://schemas.microsoft.com/office/drawing/2014/main" xmlns="" val="2848843611"/>
                   </a:ext>
                 </a:extLst>
               </a:tr>
@@ -14180,7 +14127,7 @@
                 </a:tc>
                 <a:extLst>
                   <a:ext uri="{0D108BD9-81ED-4DB2-BD59-A6C34878D82A}">
-                    <a16:rowId xmlns:a16="http://schemas.microsoft.com/office/drawing/2014/main" val="1962894834"/>
+                    <a16:rowId xmlns:a16="http://schemas.microsoft.com/office/drawing/2014/main" xmlns="" val="1962894834"/>
                   </a:ext>
                 </a:extLst>
               </a:tr>
@@ -14348,7 +14295,7 @@
                 </a:tc>
                 <a:extLst>
                   <a:ext uri="{0D108BD9-81ED-4DB2-BD59-A6C34878D82A}">
-                    <a16:rowId xmlns:a16="http://schemas.microsoft.com/office/drawing/2014/main" val="3733911405"/>
+                    <a16:rowId xmlns:a16="http://schemas.microsoft.com/office/drawing/2014/main" xmlns="" val="3733911405"/>
                   </a:ext>
                 </a:extLst>
               </a:tr>
@@ -14516,7 +14463,7 @@
                 </a:tc>
                 <a:extLst>
                   <a:ext uri="{0D108BD9-81ED-4DB2-BD59-A6C34878D82A}">
-                    <a16:rowId xmlns:a16="http://schemas.microsoft.com/office/drawing/2014/main" val="1210397926"/>
+                    <a16:rowId xmlns:a16="http://schemas.microsoft.com/office/drawing/2014/main" xmlns="" val="1210397926"/>
                   </a:ext>
                 </a:extLst>
               </a:tr>
@@ -14684,7 +14631,7 @@
                 </a:tc>
                 <a:extLst>
                   <a:ext uri="{0D108BD9-81ED-4DB2-BD59-A6C34878D82A}">
-                    <a16:rowId xmlns:a16="http://schemas.microsoft.com/office/drawing/2014/main" val="2438593587"/>
+                    <a16:rowId xmlns:a16="http://schemas.microsoft.com/office/drawing/2014/main" xmlns="" val="2438593587"/>
                   </a:ext>
                 </a:extLst>
               </a:tr>
@@ -14852,7 +14799,7 @@
                 </a:tc>
                 <a:extLst>
                   <a:ext uri="{0D108BD9-81ED-4DB2-BD59-A6C34878D82A}">
-                    <a16:rowId xmlns:a16="http://schemas.microsoft.com/office/drawing/2014/main" val="3775709044"/>
+                    <a16:rowId xmlns:a16="http://schemas.microsoft.com/office/drawing/2014/main" xmlns="" val="3775709044"/>
                   </a:ext>
                 </a:extLst>
               </a:tr>
@@ -15020,7 +14967,7 @@
                 </a:tc>
                 <a:extLst>
                   <a:ext uri="{0D108BD9-81ED-4DB2-BD59-A6C34878D82A}">
-                    <a16:rowId xmlns:a16="http://schemas.microsoft.com/office/drawing/2014/main" val="2740608941"/>
+                    <a16:rowId xmlns:a16="http://schemas.microsoft.com/office/drawing/2014/main" xmlns="" val="2740608941"/>
                   </a:ext>
                 </a:extLst>
               </a:tr>
@@ -15188,7 +15135,7 @@
                 </a:tc>
                 <a:extLst>
                   <a:ext uri="{0D108BD9-81ED-4DB2-BD59-A6C34878D82A}">
-                    <a16:rowId xmlns:a16="http://schemas.microsoft.com/office/drawing/2014/main" val="527246320"/>
+                    <a16:rowId xmlns:a16="http://schemas.microsoft.com/office/drawing/2014/main" xmlns="" val="527246320"/>
                   </a:ext>
                 </a:extLst>
               </a:tr>
@@ -15356,7 +15303,7 @@
                 </a:tc>
                 <a:extLst>
                   <a:ext uri="{0D108BD9-81ED-4DB2-BD59-A6C34878D82A}">
-                    <a16:rowId xmlns:a16="http://schemas.microsoft.com/office/drawing/2014/main" val="2261170562"/>
+                    <a16:rowId xmlns:a16="http://schemas.microsoft.com/office/drawing/2014/main" xmlns="" val="2261170562"/>
                   </a:ext>
                 </a:extLst>
               </a:tr>
@@ -15524,7 +15471,7 @@
                 </a:tc>
                 <a:extLst>
                   <a:ext uri="{0D108BD9-81ED-4DB2-BD59-A6C34878D82A}">
-                    <a16:rowId xmlns:a16="http://schemas.microsoft.com/office/drawing/2014/main" val="2843374736"/>
+                    <a16:rowId xmlns:a16="http://schemas.microsoft.com/office/drawing/2014/main" xmlns="" val="2843374736"/>
                   </a:ext>
                 </a:extLst>
               </a:tr>
@@ -15692,7 +15639,7 @@
                 </a:tc>
                 <a:extLst>
                   <a:ext uri="{0D108BD9-81ED-4DB2-BD59-A6C34878D82A}">
-                    <a16:rowId xmlns:a16="http://schemas.microsoft.com/office/drawing/2014/main" val="888994573"/>
+                    <a16:rowId xmlns:a16="http://schemas.microsoft.com/office/drawing/2014/main" xmlns="" val="888994573"/>
                   </a:ext>
                 </a:extLst>
               </a:tr>
@@ -15860,7 +15807,7 @@
                 </a:tc>
                 <a:extLst>
                   <a:ext uri="{0D108BD9-81ED-4DB2-BD59-A6C34878D82A}">
-                    <a16:rowId xmlns:a16="http://schemas.microsoft.com/office/drawing/2014/main" val="19366115"/>
+                    <a16:rowId xmlns:a16="http://schemas.microsoft.com/office/drawing/2014/main" xmlns="" val="19366115"/>
                   </a:ext>
                 </a:extLst>
               </a:tr>
@@ -16028,7 +15975,7 @@
                 </a:tc>
                 <a:extLst>
                   <a:ext uri="{0D108BD9-81ED-4DB2-BD59-A6C34878D82A}">
-                    <a16:rowId xmlns:a16="http://schemas.microsoft.com/office/drawing/2014/main" val="3192271046"/>
+                    <a16:rowId xmlns:a16="http://schemas.microsoft.com/office/drawing/2014/main" xmlns="" val="3192271046"/>
                   </a:ext>
                 </a:extLst>
               </a:tr>
@@ -16196,7 +16143,7 @@
                 </a:tc>
                 <a:extLst>
                   <a:ext uri="{0D108BD9-81ED-4DB2-BD59-A6C34878D82A}">
-                    <a16:rowId xmlns:a16="http://schemas.microsoft.com/office/drawing/2014/main" val="3697562065"/>
+                    <a16:rowId xmlns:a16="http://schemas.microsoft.com/office/drawing/2014/main" xmlns="" val="3697562065"/>
                   </a:ext>
                 </a:extLst>
               </a:tr>
@@ -16364,7 +16311,7 @@
                 </a:tc>
                 <a:extLst>
                   <a:ext uri="{0D108BD9-81ED-4DB2-BD59-A6C34878D82A}">
-                    <a16:rowId xmlns:a16="http://schemas.microsoft.com/office/drawing/2014/main" val="531809852"/>
+                    <a16:rowId xmlns:a16="http://schemas.microsoft.com/office/drawing/2014/main" xmlns="" val="531809852"/>
                   </a:ext>
                 </a:extLst>
               </a:tr>
@@ -16532,7 +16479,7 @@
                 </a:tc>
                 <a:extLst>
                   <a:ext uri="{0D108BD9-81ED-4DB2-BD59-A6C34878D82A}">
-                    <a16:rowId xmlns:a16="http://schemas.microsoft.com/office/drawing/2014/main" val="3757251345"/>
+                    <a16:rowId xmlns:a16="http://schemas.microsoft.com/office/drawing/2014/main" xmlns="" val="3757251345"/>
                   </a:ext>
                 </a:extLst>
               </a:tr>
@@ -16700,7 +16647,7 @@
                 </a:tc>
                 <a:extLst>
                   <a:ext uri="{0D108BD9-81ED-4DB2-BD59-A6C34878D82A}">
-                    <a16:rowId xmlns:a16="http://schemas.microsoft.com/office/drawing/2014/main" val="7217824"/>
+                    <a16:rowId xmlns:a16="http://schemas.microsoft.com/office/drawing/2014/main" xmlns="" val="7217824"/>
                   </a:ext>
                 </a:extLst>
               </a:tr>
@@ -16868,7 +16815,7 @@
                 </a:tc>
                 <a:extLst>
                   <a:ext uri="{0D108BD9-81ED-4DB2-BD59-A6C34878D82A}">
-                    <a16:rowId xmlns:a16="http://schemas.microsoft.com/office/drawing/2014/main" val="3175170300"/>
+                    <a16:rowId xmlns:a16="http://schemas.microsoft.com/office/drawing/2014/main" xmlns="" val="3175170300"/>
                   </a:ext>
                 </a:extLst>
               </a:tr>
@@ -17036,7 +16983,7 @@
                 </a:tc>
                 <a:extLst>
                   <a:ext uri="{0D108BD9-81ED-4DB2-BD59-A6C34878D82A}">
-                    <a16:rowId xmlns:a16="http://schemas.microsoft.com/office/drawing/2014/main" val="264223039"/>
+                    <a16:rowId xmlns:a16="http://schemas.microsoft.com/office/drawing/2014/main" xmlns="" val="264223039"/>
                   </a:ext>
                 </a:extLst>
               </a:tr>
@@ -17204,7 +17151,7 @@
                 </a:tc>
                 <a:extLst>
                   <a:ext uri="{0D108BD9-81ED-4DB2-BD59-A6C34878D82A}">
-                    <a16:rowId xmlns:a16="http://schemas.microsoft.com/office/drawing/2014/main" val="557613958"/>
+                    <a16:rowId xmlns:a16="http://schemas.microsoft.com/office/drawing/2014/main" xmlns="" val="557613958"/>
                   </a:ext>
                 </a:extLst>
               </a:tr>
@@ -17372,7 +17319,7 @@
                 </a:tc>
                 <a:extLst>
                   <a:ext uri="{0D108BD9-81ED-4DB2-BD59-A6C34878D82A}">
-                    <a16:rowId xmlns:a16="http://schemas.microsoft.com/office/drawing/2014/main" val="3469098857"/>
+                    <a16:rowId xmlns:a16="http://schemas.microsoft.com/office/drawing/2014/main" xmlns="" val="3469098857"/>
                   </a:ext>
                 </a:extLst>
               </a:tr>
@@ -17540,7 +17487,7 @@
                 </a:tc>
                 <a:extLst>
                   <a:ext uri="{0D108BD9-81ED-4DB2-BD59-A6C34878D82A}">
-                    <a16:rowId xmlns:a16="http://schemas.microsoft.com/office/drawing/2014/main" val="2799594886"/>
+                    <a16:rowId xmlns:a16="http://schemas.microsoft.com/office/drawing/2014/main" xmlns="" val="2799594886"/>
                   </a:ext>
                 </a:extLst>
               </a:tr>
@@ -17553,7 +17500,7 @@
           <p:cNvPr id="3" name="TextBox 2">
             <a:extLst>
               <a:ext uri="{FF2B5EF4-FFF2-40B4-BE49-F238E27FC236}">
-                <a16:creationId xmlns:a16="http://schemas.microsoft.com/office/drawing/2014/main" id="{F15152C9-7DCD-4D08-B16C-03A06310259D}"/>
+                <a16:creationId xmlns:a16="http://schemas.microsoft.com/office/drawing/2014/main" xmlns="" id="{F15152C9-7DCD-4D08-B16C-03A06310259D}"/>
               </a:ext>
             </a:extLst>
           </p:cNvPr>
@@ -17645,7 +17592,7 @@
           <p:cNvPr id="2" name="Rectangle 1">
             <a:extLst>
               <a:ext uri="{FF2B5EF4-FFF2-40B4-BE49-F238E27FC236}">
-                <a16:creationId xmlns:a16="http://schemas.microsoft.com/office/drawing/2014/main" id="{CA3F77CE-C4F6-475E-BC9A-494DDFF09CA1}"/>
+                <a16:creationId xmlns:a16="http://schemas.microsoft.com/office/drawing/2014/main" xmlns="" id="{CA3F77CE-C4F6-475E-BC9A-494DDFF09CA1}"/>
               </a:ext>
             </a:extLst>
           </p:cNvPr>
@@ -17825,7 +17772,7 @@
           <p:cNvPr id="3" name="TextBox 2">
             <a:extLst>
               <a:ext uri="{FF2B5EF4-FFF2-40B4-BE49-F238E27FC236}">
-                <a16:creationId xmlns:a16="http://schemas.microsoft.com/office/drawing/2014/main" id="{7DAD4E54-A2F1-40B9-8250-511DEB54231C}"/>
+                <a16:creationId xmlns:a16="http://schemas.microsoft.com/office/drawing/2014/main" xmlns="" id="{7DAD4E54-A2F1-40B9-8250-511DEB54231C}"/>
               </a:ext>
             </a:extLst>
           </p:cNvPr>
@@ -18174,7 +18121,7 @@
   <a:extraClrSchemeLst/>
   <a:extLst>
     <a:ext uri="{05A4C25C-085E-4340-85A3-A5531E510DB2}">
-      <thm15:themeFamily xmlns:thm15="http://schemas.microsoft.com/office/thememl/2012/main" name="Office Theme" id="{62F939B6-93AF-4DB8-9C6B-D6C7DFDC589F}" vid="{4A3C46E8-61CC-4603-A589-7422A47A8E4A}"/>
+      <thm15:themeFamily xmlns:thm15="http://schemas.microsoft.com/office/thememl/2012/main" xmlns="" name="Office Theme" id="{62F939B6-93AF-4DB8-9C6B-D6C7DFDC589F}" vid="{4A3C46E8-61CC-4603-A589-7422A47A8E4A}"/>
     </a:ext>
   </a:extLst>
 </a:theme>
